--- a/Clinapp PPT.pptx
+++ b/Clinapp PPT.pptx
@@ -2,8 +2,11 @@
 <file path=ppt/presentation.xml><?xml version="1.0" encoding="utf-8"?>
 <p:presentation xmlns:a="http://schemas.openxmlformats.org/drawingml/2006/main" xmlns:r="http://schemas.openxmlformats.org/officeDocument/2006/relationships" xmlns:p="http://schemas.openxmlformats.org/presentationml/2006/main" autoCompressPictures="0">
   <p:sldMasterIdLst>
-    <p:sldMasterId id="2147483732" r:id="rId1"/>
+    <p:sldMasterId id="2147483744" r:id="rId1"/>
   </p:sldMasterIdLst>
+  <p:notesMasterIdLst>
+    <p:notesMasterId r:id="rId22"/>
+  </p:notesMasterIdLst>
   <p:sldIdLst>
     <p:sldId id="256" r:id="rId2"/>
     <p:sldId id="257" r:id="rId3"/>
@@ -125,10 +128,371 @@
   </p:defaultTextStyle>
   <p:extLst>
     <p:ext uri="{EFAFB233-063F-42B5-8137-9DF3F51BA10A}">
-      <p15:sldGuideLst xmlns:p15="http://schemas.microsoft.com/office/powerpoint/2012/main" xmlns=""/>
+      <p15:sldGuideLst xmlns:p15="http://schemas.microsoft.com/office/powerpoint/2012/main">
+        <p15:guide id="1" orient="horz" pos="2160">
+          <p15:clr>
+            <a:srgbClr val="A4A3A4"/>
+          </p15:clr>
+        </p15:guide>
+        <p15:guide id="2" pos="3840">
+          <p15:clr>
+            <a:srgbClr val="A4A3A4"/>
+          </p15:clr>
+        </p15:guide>
+      </p15:sldGuideLst>
     </p:ext>
   </p:extLst>
 </p:presentation>
+</file>
+
+<file path=ppt/notesMasters/notesMaster1.xml><?xml version="1.0" encoding="utf-8"?>
+<p:notesMaster xmlns:a="http://schemas.openxmlformats.org/drawingml/2006/main" xmlns:r="http://schemas.openxmlformats.org/officeDocument/2006/relationships" xmlns:p="http://schemas.openxmlformats.org/presentationml/2006/main">
+  <p:cSld>
+    <p:bg>
+      <p:bgRef idx="1001">
+        <a:schemeClr val="bg1"/>
+      </p:bgRef>
+    </p:bg>
+    <p:spTree>
+      <p:nvGrpSpPr>
+        <p:cNvPr id="1" name=""/>
+        <p:cNvGrpSpPr/>
+        <p:nvPr/>
+      </p:nvGrpSpPr>
+      <p:grpSpPr>
+        <a:xfrm>
+          <a:off x="0" y="0"/>
+          <a:ext cx="0" cy="0"/>
+          <a:chOff x="0" y="0"/>
+          <a:chExt cx="0" cy="0"/>
+        </a:xfrm>
+      </p:grpSpPr>
+      <p:sp>
+        <p:nvSpPr>
+          <p:cNvPr id="2" name="Header Placeholder 1"/>
+          <p:cNvSpPr>
+            <a:spLocks noGrp="1"/>
+          </p:cNvSpPr>
+          <p:nvPr>
+            <p:ph type="hdr" sz="quarter"/>
+          </p:nvPr>
+        </p:nvSpPr>
+        <p:spPr>
+          <a:xfrm>
+            <a:off x="0" y="0"/>
+            <a:ext cx="2971800" cy="458788"/>
+          </a:xfrm>
+          <a:prstGeom prst="rect">
+            <a:avLst/>
+          </a:prstGeom>
+        </p:spPr>
+        <p:txBody>
+          <a:bodyPr vert="horz" lIns="91440" tIns="45720" rIns="91440" bIns="45720" rtlCol="0"/>
+          <a:lstStyle>
+            <a:lvl1pPr algn="l">
+              <a:defRPr sz="1200"/>
+            </a:lvl1pPr>
+          </a:lstStyle>
+          <a:p>
+            <a:endParaRPr lang="en-IN"/>
+          </a:p>
+        </p:txBody>
+      </p:sp>
+      <p:sp>
+        <p:nvSpPr>
+          <p:cNvPr id="3" name="Date Placeholder 2"/>
+          <p:cNvSpPr>
+            <a:spLocks noGrp="1"/>
+          </p:cNvSpPr>
+          <p:nvPr>
+            <p:ph type="dt" idx="1"/>
+          </p:nvPr>
+        </p:nvSpPr>
+        <p:spPr>
+          <a:xfrm>
+            <a:off x="3884613" y="0"/>
+            <a:ext cx="2971800" cy="458788"/>
+          </a:xfrm>
+          <a:prstGeom prst="rect">
+            <a:avLst/>
+          </a:prstGeom>
+        </p:spPr>
+        <p:txBody>
+          <a:bodyPr vert="horz" lIns="91440" tIns="45720" rIns="91440" bIns="45720" rtlCol="0"/>
+          <a:lstStyle>
+            <a:lvl1pPr algn="r">
+              <a:defRPr sz="1200"/>
+            </a:lvl1pPr>
+          </a:lstStyle>
+          <a:p>
+            <a:fld id="{ECD7F3E8-F2C7-430F-93E4-6DD4B48B35A1}" type="datetimeFigureOut">
+              <a:rPr lang="en-IN" smtClean="0"/>
+              <a:t>26-09-2022</a:t>
+            </a:fld>
+            <a:endParaRPr lang="en-IN"/>
+          </a:p>
+        </p:txBody>
+      </p:sp>
+      <p:sp>
+        <p:nvSpPr>
+          <p:cNvPr id="4" name="Slide Image Placeholder 3"/>
+          <p:cNvSpPr>
+            <a:spLocks noGrp="1" noRot="1" noChangeAspect="1"/>
+          </p:cNvSpPr>
+          <p:nvPr>
+            <p:ph type="sldImg" idx="2"/>
+          </p:nvPr>
+        </p:nvSpPr>
+        <p:spPr>
+          <a:xfrm>
+            <a:off x="685800" y="1143000"/>
+            <a:ext cx="5486400" cy="3086100"/>
+          </a:xfrm>
+          <a:prstGeom prst="rect">
+            <a:avLst/>
+          </a:prstGeom>
+          <a:noFill/>
+          <a:ln w="12700">
+            <a:solidFill>
+              <a:prstClr val="black"/>
+            </a:solidFill>
+          </a:ln>
+        </p:spPr>
+        <p:txBody>
+          <a:bodyPr vert="horz" lIns="91440" tIns="45720" rIns="91440" bIns="45720" rtlCol="0" anchor="ctr"/>
+          <a:lstStyle/>
+          <a:p>
+            <a:endParaRPr lang="en-IN"/>
+          </a:p>
+        </p:txBody>
+      </p:sp>
+      <p:sp>
+        <p:nvSpPr>
+          <p:cNvPr id="5" name="Notes Placeholder 4"/>
+          <p:cNvSpPr>
+            <a:spLocks noGrp="1"/>
+          </p:cNvSpPr>
+          <p:nvPr>
+            <p:ph type="body" sz="quarter" idx="3"/>
+          </p:nvPr>
+        </p:nvSpPr>
+        <p:spPr>
+          <a:xfrm>
+            <a:off x="685800" y="4400550"/>
+            <a:ext cx="5486400" cy="3600450"/>
+          </a:xfrm>
+          <a:prstGeom prst="rect">
+            <a:avLst/>
+          </a:prstGeom>
+        </p:spPr>
+        <p:txBody>
+          <a:bodyPr vert="horz" lIns="91440" tIns="45720" rIns="91440" bIns="45720" rtlCol="0"/>
+          <a:lstStyle/>
+          <a:p>
+            <a:pPr lvl="0"/>
+            <a:r>
+              <a:rPr lang="en-US" smtClean="0"/>
+              <a:t>Edit Master text styles</a:t>
+            </a:r>
+          </a:p>
+          <a:p>
+            <a:pPr lvl="1"/>
+            <a:r>
+              <a:rPr lang="en-US" smtClean="0"/>
+              <a:t>Second level</a:t>
+            </a:r>
+          </a:p>
+          <a:p>
+            <a:pPr lvl="2"/>
+            <a:r>
+              <a:rPr lang="en-US" smtClean="0"/>
+              <a:t>Third level</a:t>
+            </a:r>
+          </a:p>
+          <a:p>
+            <a:pPr lvl="3"/>
+            <a:r>
+              <a:rPr lang="en-US" smtClean="0"/>
+              <a:t>Fourth level</a:t>
+            </a:r>
+          </a:p>
+          <a:p>
+            <a:pPr lvl="4"/>
+            <a:r>
+              <a:rPr lang="en-US" smtClean="0"/>
+              <a:t>Fifth level</a:t>
+            </a:r>
+            <a:endParaRPr lang="en-IN"/>
+          </a:p>
+        </p:txBody>
+      </p:sp>
+      <p:sp>
+        <p:nvSpPr>
+          <p:cNvPr id="6" name="Footer Placeholder 5"/>
+          <p:cNvSpPr>
+            <a:spLocks noGrp="1"/>
+          </p:cNvSpPr>
+          <p:nvPr>
+            <p:ph type="ftr" sz="quarter" idx="4"/>
+          </p:nvPr>
+        </p:nvSpPr>
+        <p:spPr>
+          <a:xfrm>
+            <a:off x="0" y="8685213"/>
+            <a:ext cx="2971800" cy="458787"/>
+          </a:xfrm>
+          <a:prstGeom prst="rect">
+            <a:avLst/>
+          </a:prstGeom>
+        </p:spPr>
+        <p:txBody>
+          <a:bodyPr vert="horz" lIns="91440" tIns="45720" rIns="91440" bIns="45720" rtlCol="0" anchor="b"/>
+          <a:lstStyle>
+            <a:lvl1pPr algn="l">
+              <a:defRPr sz="1200"/>
+            </a:lvl1pPr>
+          </a:lstStyle>
+          <a:p>
+            <a:endParaRPr lang="en-IN"/>
+          </a:p>
+        </p:txBody>
+      </p:sp>
+      <p:sp>
+        <p:nvSpPr>
+          <p:cNvPr id="7" name="Slide Number Placeholder 6"/>
+          <p:cNvSpPr>
+            <a:spLocks noGrp="1"/>
+          </p:cNvSpPr>
+          <p:nvPr>
+            <p:ph type="sldNum" sz="quarter" idx="5"/>
+          </p:nvPr>
+        </p:nvSpPr>
+        <p:spPr>
+          <a:xfrm>
+            <a:off x="3884613" y="8685213"/>
+            <a:ext cx="2971800" cy="458787"/>
+          </a:xfrm>
+          <a:prstGeom prst="rect">
+            <a:avLst/>
+          </a:prstGeom>
+        </p:spPr>
+        <p:txBody>
+          <a:bodyPr vert="horz" lIns="91440" tIns="45720" rIns="91440" bIns="45720" rtlCol="0" anchor="b"/>
+          <a:lstStyle>
+            <a:lvl1pPr algn="r">
+              <a:defRPr sz="1200"/>
+            </a:lvl1pPr>
+          </a:lstStyle>
+          <a:p>
+            <a:fld id="{DCDF2E46-20C7-41D3-ADC6-D5207F965AFF}" type="slidenum">
+              <a:rPr lang="en-IN" smtClean="0"/>
+              <a:t>‹#›</a:t>
+            </a:fld>
+            <a:endParaRPr lang="en-IN"/>
+          </a:p>
+        </p:txBody>
+      </p:sp>
+    </p:spTree>
+    <p:extLst>
+      <p:ext uri="{BB962C8B-B14F-4D97-AF65-F5344CB8AC3E}">
+        <p14:creationId xmlns:p14="http://schemas.microsoft.com/office/powerpoint/2010/main" val="2641489798"/>
+      </p:ext>
+    </p:extLst>
+  </p:cSld>
+  <p:clrMap bg1="lt1" tx1="dk1" bg2="lt2" tx2="dk2" accent1="accent1" accent2="accent2" accent3="accent3" accent4="accent4" accent5="accent5" accent6="accent6" hlink="hlink" folHlink="folHlink"/>
+  <p:notesStyle>
+    <a:lvl1pPr marL="0" algn="l" defTabSz="914400" rtl="0" eaLnBrk="1" latinLnBrk="0" hangingPunct="1">
+      <a:defRPr sz="1200" kern="1200">
+        <a:solidFill>
+          <a:schemeClr val="tx1"/>
+        </a:solidFill>
+        <a:latin typeface="+mn-lt"/>
+        <a:ea typeface="+mn-ea"/>
+        <a:cs typeface="+mn-cs"/>
+      </a:defRPr>
+    </a:lvl1pPr>
+    <a:lvl2pPr marL="457200" algn="l" defTabSz="914400" rtl="0" eaLnBrk="1" latinLnBrk="0" hangingPunct="1">
+      <a:defRPr sz="1200" kern="1200">
+        <a:solidFill>
+          <a:schemeClr val="tx1"/>
+        </a:solidFill>
+        <a:latin typeface="+mn-lt"/>
+        <a:ea typeface="+mn-ea"/>
+        <a:cs typeface="+mn-cs"/>
+      </a:defRPr>
+    </a:lvl2pPr>
+    <a:lvl3pPr marL="914400" algn="l" defTabSz="914400" rtl="0" eaLnBrk="1" latinLnBrk="0" hangingPunct="1">
+      <a:defRPr sz="1200" kern="1200">
+        <a:solidFill>
+          <a:schemeClr val="tx1"/>
+        </a:solidFill>
+        <a:latin typeface="+mn-lt"/>
+        <a:ea typeface="+mn-ea"/>
+        <a:cs typeface="+mn-cs"/>
+      </a:defRPr>
+    </a:lvl3pPr>
+    <a:lvl4pPr marL="1371600" algn="l" defTabSz="914400" rtl="0" eaLnBrk="1" latinLnBrk="0" hangingPunct="1">
+      <a:defRPr sz="1200" kern="1200">
+        <a:solidFill>
+          <a:schemeClr val="tx1"/>
+        </a:solidFill>
+        <a:latin typeface="+mn-lt"/>
+        <a:ea typeface="+mn-ea"/>
+        <a:cs typeface="+mn-cs"/>
+      </a:defRPr>
+    </a:lvl4pPr>
+    <a:lvl5pPr marL="1828800" algn="l" defTabSz="914400" rtl="0" eaLnBrk="1" latinLnBrk="0" hangingPunct="1">
+      <a:defRPr sz="1200" kern="1200">
+        <a:solidFill>
+          <a:schemeClr val="tx1"/>
+        </a:solidFill>
+        <a:latin typeface="+mn-lt"/>
+        <a:ea typeface="+mn-ea"/>
+        <a:cs typeface="+mn-cs"/>
+      </a:defRPr>
+    </a:lvl5pPr>
+    <a:lvl6pPr marL="2286000" algn="l" defTabSz="914400" rtl="0" eaLnBrk="1" latinLnBrk="0" hangingPunct="1">
+      <a:defRPr sz="1200" kern="1200">
+        <a:solidFill>
+          <a:schemeClr val="tx1"/>
+        </a:solidFill>
+        <a:latin typeface="+mn-lt"/>
+        <a:ea typeface="+mn-ea"/>
+        <a:cs typeface="+mn-cs"/>
+      </a:defRPr>
+    </a:lvl6pPr>
+    <a:lvl7pPr marL="2743200" algn="l" defTabSz="914400" rtl="0" eaLnBrk="1" latinLnBrk="0" hangingPunct="1">
+      <a:defRPr sz="1200" kern="1200">
+        <a:solidFill>
+          <a:schemeClr val="tx1"/>
+        </a:solidFill>
+        <a:latin typeface="+mn-lt"/>
+        <a:ea typeface="+mn-ea"/>
+        <a:cs typeface="+mn-cs"/>
+      </a:defRPr>
+    </a:lvl7pPr>
+    <a:lvl8pPr marL="3200400" algn="l" defTabSz="914400" rtl="0" eaLnBrk="1" latinLnBrk="0" hangingPunct="1">
+      <a:defRPr sz="1200" kern="1200">
+        <a:solidFill>
+          <a:schemeClr val="tx1"/>
+        </a:solidFill>
+        <a:latin typeface="+mn-lt"/>
+        <a:ea typeface="+mn-ea"/>
+        <a:cs typeface="+mn-cs"/>
+      </a:defRPr>
+    </a:lvl8pPr>
+    <a:lvl9pPr marL="3657600" algn="l" defTabSz="914400" rtl="0" eaLnBrk="1" latinLnBrk="0" hangingPunct="1">
+      <a:defRPr sz="1200" kern="1200">
+        <a:solidFill>
+          <a:schemeClr val="tx1"/>
+        </a:solidFill>
+        <a:latin typeface="+mn-lt"/>
+        <a:ea typeface="+mn-ea"/>
+        <a:cs typeface="+mn-cs"/>
+      </a:defRPr>
+    </a:lvl9pPr>
+  </p:notesStyle>
+</p:notesMaster>
 </file>
 
 <file path=ppt/slideLayouts/slideLayout1.xml><?xml version="1.0" encoding="utf-8"?>
@@ -160,8 +524,8 @@
         </p:nvSpPr>
         <p:spPr>
           <a:xfrm>
-            <a:off x="2417779" y="802298"/>
-            <a:ext cx="8637073" cy="2541431"/>
+            <a:off x="1128403" y="945913"/>
+            <a:ext cx="8637073" cy="2618554"/>
           </a:xfrm>
         </p:spPr>
         <p:txBody>
@@ -175,7 +539,7 @@
           </a:lstStyle>
           <a:p>
             <a:r>
-              <a:rPr lang="en-US"/>
+              <a:rPr lang="en-US" smtClean="0"/>
               <a:t>Click to edit Master title style</a:t>
             </a:r>
             <a:endParaRPr lang="en-US" dirty="0"/>
@@ -194,8 +558,8 @@
         </p:nvSpPr>
         <p:spPr>
           <a:xfrm>
-            <a:off x="2417780" y="3531204"/>
-            <a:ext cx="8637072" cy="977621"/>
+            <a:off x="1128404" y="3564467"/>
+            <a:ext cx="8637072" cy="1071095"/>
           </a:xfrm>
         </p:spPr>
         <p:txBody>
@@ -205,7 +569,7 @@
           <a:lstStyle>
             <a:lvl1pPr marL="0" indent="0" algn="l">
               <a:buNone/>
-              <a:defRPr sz="1800" b="0" cap="all" baseline="0">
+              <a:defRPr sz="1800" b="0">
                 <a:solidFill>
                   <a:schemeClr val="tx1"/>
                 </a:solidFill>
@@ -246,7 +610,7 @@
           </a:lstStyle>
           <a:p>
             <a:r>
-              <a:rPr lang="en-US"/>
+              <a:rPr lang="en-US" smtClean="0"/>
               <a:t>Click to edit Master subtitle style</a:t>
             </a:r>
             <a:endParaRPr lang="en-US" dirty="0"/>
@@ -289,8 +653,8 @@
         </p:nvSpPr>
         <p:spPr>
           <a:xfrm>
-            <a:off x="2416500" y="329307"/>
-            <a:ext cx="4973915" cy="309201"/>
+            <a:off x="1127124" y="329307"/>
+            <a:ext cx="5943668" cy="309201"/>
           </a:xfrm>
         </p:spPr>
         <p:txBody>
@@ -313,7 +677,7 @@
         </p:nvSpPr>
         <p:spPr>
           <a:xfrm>
-            <a:off x="1437664" y="798973"/>
+            <a:off x="9924392" y="134930"/>
             <a:ext cx="811019" cy="503578"/>
           </a:xfrm>
         </p:spPr>
@@ -330,41 +694,50 @@
           </a:p>
         </p:txBody>
       </p:sp>
-      <p:cxnSp>
-        <p:nvCxnSpPr>
-          <p:cNvPr id="15" name="Straight Connector 14"/>
-          <p:cNvCxnSpPr/>
+      <p:pic>
+        <p:nvPicPr>
+          <p:cNvPr id="16" name="Picture 15" descr="RedHashing.emf"/>
+          <p:cNvPicPr>
+            <a:picLocks/>
+          </p:cNvPicPr>
           <p:nvPr/>
-        </p:nvCxnSpPr>
+        </p:nvPicPr>
+        <p:blipFill rotWithShape="1">
+          <a:blip r:embed="rId3">
+            <a:duotone>
+              <a:schemeClr val="accent1">
+                <a:shade val="45000"/>
+                <a:satMod val="135000"/>
+              </a:schemeClr>
+              <a:prstClr val="white"/>
+            </a:duotone>
+            <a:extLst>
+              <a:ext uri="{28A0092B-C50C-407E-A947-70E740481C1C}">
+                <a14:useLocalDpi xmlns:a14="http://schemas.microsoft.com/office/drawing/2010/main" val="0"/>
+              </a:ext>
+            </a:extLst>
+          </a:blip>
+          <a:srcRect l="-115" r="15828" b="36435"/>
+          <a:stretch/>
+        </p:blipFill>
         <p:spPr>
           <a:xfrm>
-            <a:off x="2417780" y="3528542"/>
-            <a:ext cx="8637072" cy="0"/>
+            <a:off x="1125460" y="643464"/>
+            <a:ext cx="9610344" cy="155448"/>
           </a:xfrm>
-          <a:prstGeom prst="line">
+          <a:prstGeom prst="rect">
             <a:avLst/>
           </a:prstGeom>
-          <a:ln w="31750"/>
+          <a:noFill/>
+          <a:ln>
+            <a:noFill/>
+          </a:ln>
         </p:spPr>
-        <p:style>
-          <a:lnRef idx="3">
-            <a:schemeClr val="accent1"/>
-          </a:lnRef>
-          <a:fillRef idx="0">
-            <a:schemeClr val="accent1"/>
-          </a:fillRef>
-          <a:effectRef idx="2">
-            <a:schemeClr val="accent1"/>
-          </a:effectRef>
-          <a:fontRef idx="minor">
-            <a:schemeClr val="tx1"/>
-          </a:fontRef>
-        </p:style>
-      </p:cxnSp>
+      </p:pic>
     </p:spTree>
     <p:extLst>
       <p:ext uri="{BB962C8B-B14F-4D97-AF65-F5344CB8AC3E}">
-        <p14:creationId xmlns:p14="http://schemas.microsoft.com/office/powerpoint/2010/main" xmlns="" val="2817101373"/>
+        <p14:creationId xmlns:p14="http://schemas.microsoft.com/office/powerpoint/2010/main" val="1773906900"/>
       </p:ext>
     </p:extLst>
   </p:cSld>
@@ -379,6 +752,13 @@
       </p:stSnd>
     </p:sndAc>
   </p:transition>
+  <p:timing>
+    <p:tnLst>
+      <p:par>
+        <p:cTn id="1" dur="indefinite" restart="never" nodeType="tmRoot"/>
+      </p:par>
+    </p:tnLst>
+  </p:timing>
 </p:sldLayout>
 </file>
 
@@ -415,7 +795,7 @@
           <a:lstStyle/>
           <a:p>
             <a:r>
-              <a:rPr lang="en-US"/>
+              <a:rPr lang="en-US" smtClean="0"/>
               <a:t>Click to edit Master title style</a:t>
             </a:r>
             <a:endParaRPr lang="en-US" dirty="0"/>
@@ -439,35 +819,35 @@
           <a:p>
             <a:pPr lvl="0"/>
             <a:r>
-              <a:rPr lang="en-US"/>
-              <a:t>Click to edit Master text styles</a:t>
+              <a:rPr lang="en-US" smtClean="0"/>
+              <a:t>Edit Master text styles</a:t>
             </a:r>
           </a:p>
           <a:p>
             <a:pPr lvl="1"/>
             <a:r>
-              <a:rPr lang="en-US"/>
+              <a:rPr lang="en-US" smtClean="0"/>
               <a:t>Second level</a:t>
             </a:r>
           </a:p>
           <a:p>
             <a:pPr lvl="2"/>
             <a:r>
-              <a:rPr lang="en-US"/>
+              <a:rPr lang="en-US" smtClean="0"/>
               <a:t>Third level</a:t>
             </a:r>
           </a:p>
           <a:p>
             <a:pPr lvl="3"/>
             <a:r>
-              <a:rPr lang="en-US"/>
+              <a:rPr lang="en-US" smtClean="0"/>
               <a:t>Fourth level</a:t>
             </a:r>
           </a:p>
           <a:p>
             <a:pPr lvl="4"/>
             <a:r>
-              <a:rPr lang="en-US"/>
+              <a:rPr lang="en-US" smtClean="0"/>
               <a:t>Fifth level</a:t>
             </a:r>
             <a:endParaRPr lang="en-US" dirty="0"/>
@@ -541,41 +921,50 @@
           </a:p>
         </p:txBody>
       </p:sp>
-      <p:cxnSp>
-        <p:nvCxnSpPr>
-          <p:cNvPr id="26" name="Straight Connector 25"/>
-          <p:cNvCxnSpPr/>
+      <p:pic>
+        <p:nvPicPr>
+          <p:cNvPr id="15" name="Picture 14" descr="RedHashing.emf"/>
+          <p:cNvPicPr>
+            <a:picLocks/>
+          </p:cNvPicPr>
           <p:nvPr/>
-        </p:nvCxnSpPr>
+        </p:nvPicPr>
+        <p:blipFill rotWithShape="1">
+          <a:blip r:embed="rId3">
+            <a:duotone>
+              <a:schemeClr val="accent1">
+                <a:shade val="45000"/>
+                <a:satMod val="135000"/>
+              </a:schemeClr>
+              <a:prstClr val="white"/>
+            </a:duotone>
+            <a:extLst>
+              <a:ext uri="{28A0092B-C50C-407E-A947-70E740481C1C}">
+                <a14:useLocalDpi xmlns:a14="http://schemas.microsoft.com/office/drawing/2010/main" val="0"/>
+              </a:ext>
+            </a:extLst>
+          </a:blip>
+          <a:srcRect l="-115" r="15828" b="36435"/>
+          <a:stretch/>
+        </p:blipFill>
         <p:spPr>
           <a:xfrm>
-            <a:off x="1453896" y="1847088"/>
-            <a:ext cx="9607522" cy="0"/>
+            <a:off x="1125460" y="643464"/>
+            <a:ext cx="9610344" cy="155448"/>
           </a:xfrm>
-          <a:prstGeom prst="line">
+          <a:prstGeom prst="rect">
             <a:avLst/>
           </a:prstGeom>
-          <a:ln w="31750"/>
+          <a:noFill/>
+          <a:ln>
+            <a:noFill/>
+          </a:ln>
         </p:spPr>
-        <p:style>
-          <a:lnRef idx="3">
-            <a:schemeClr val="accent1"/>
-          </a:lnRef>
-          <a:fillRef idx="0">
-            <a:schemeClr val="accent1"/>
-          </a:fillRef>
-          <a:effectRef idx="2">
-            <a:schemeClr val="accent1"/>
-          </a:effectRef>
-          <a:fontRef idx="minor">
-            <a:schemeClr val="tx1"/>
-          </a:fontRef>
-        </p:style>
-      </p:cxnSp>
+      </p:pic>
     </p:spTree>
     <p:extLst>
       <p:ext uri="{BB962C8B-B14F-4D97-AF65-F5344CB8AC3E}">
-        <p14:creationId xmlns:p14="http://schemas.microsoft.com/office/powerpoint/2010/main" xmlns="" val="3282802271"/>
+        <p14:creationId xmlns:p14="http://schemas.microsoft.com/office/powerpoint/2010/main" val="306137657"/>
       </p:ext>
     </p:extLst>
   </p:cSld>
@@ -590,6 +979,13 @@
       </p:stSnd>
     </p:sndAc>
   </p:transition>
+  <p:timing>
+    <p:tnLst>
+      <p:par>
+        <p:cTn id="1" dur="indefinite" restart="never" nodeType="tmRoot"/>
+      </p:par>
+    </p:tnLst>
+  </p:timing>
 </p:sldLayout>
 </file>
 
@@ -622,7 +1018,7 @@
         </p:nvSpPr>
         <p:spPr>
           <a:xfrm>
-            <a:off x="9439111" y="798973"/>
+            <a:off x="9124709" y="798973"/>
             <a:ext cx="1615742" cy="4659889"/>
           </a:xfrm>
         </p:spPr>
@@ -635,7 +1031,7 @@
           </a:lstStyle>
           <a:p>
             <a:r>
-              <a:rPr lang="en-US"/>
+              <a:rPr lang="en-US" smtClean="0"/>
               <a:t>Click to edit Master title style</a:t>
             </a:r>
             <a:endParaRPr lang="en-US" dirty="0"/>
@@ -654,7 +1050,7 @@
         </p:nvSpPr>
         <p:spPr>
           <a:xfrm>
-            <a:off x="1444672" y="798973"/>
+            <a:off x="1130270" y="798973"/>
             <a:ext cx="7828830" cy="4659889"/>
           </a:xfrm>
         </p:spPr>
@@ -664,35 +1060,35 @@
           <a:p>
             <a:pPr lvl="0"/>
             <a:r>
-              <a:rPr lang="en-US"/>
-              <a:t>Click to edit Master text styles</a:t>
+              <a:rPr lang="en-US" smtClean="0"/>
+              <a:t>Edit Master text styles</a:t>
             </a:r>
           </a:p>
           <a:p>
             <a:pPr lvl="1"/>
             <a:r>
-              <a:rPr lang="en-US"/>
+              <a:rPr lang="en-US" smtClean="0"/>
               <a:t>Second level</a:t>
             </a:r>
           </a:p>
           <a:p>
             <a:pPr lvl="2"/>
             <a:r>
-              <a:rPr lang="en-US"/>
+              <a:rPr lang="en-US" smtClean="0"/>
               <a:t>Third level</a:t>
             </a:r>
           </a:p>
           <a:p>
             <a:pPr lvl="3"/>
             <a:r>
-              <a:rPr lang="en-US"/>
+              <a:rPr lang="en-US" smtClean="0"/>
               <a:t>Fourth level</a:t>
             </a:r>
           </a:p>
           <a:p>
             <a:pPr lvl="4"/>
             <a:r>
-              <a:rPr lang="en-US"/>
+              <a:rPr lang="en-US" smtClean="0"/>
               <a:t>Fifth level</a:t>
             </a:r>
             <a:endParaRPr lang="en-US" dirty="0"/>
@@ -766,41 +1162,50 @@
           </a:p>
         </p:txBody>
       </p:sp>
-      <p:cxnSp>
-        <p:nvCxnSpPr>
-          <p:cNvPr id="15" name="Straight Connector 14"/>
-          <p:cNvCxnSpPr/>
+      <p:pic>
+        <p:nvPicPr>
+          <p:cNvPr id="17" name="Picture 16" descr="RedHashing.emf"/>
+          <p:cNvPicPr>
+            <a:picLocks/>
+          </p:cNvPicPr>
           <p:nvPr/>
-        </p:nvCxnSpPr>
+        </p:nvPicPr>
+        <p:blipFill rotWithShape="1">
+          <a:blip r:embed="rId3">
+            <a:duotone>
+              <a:schemeClr val="accent1">
+                <a:shade val="45000"/>
+                <a:satMod val="135000"/>
+              </a:schemeClr>
+              <a:prstClr val="white"/>
+            </a:duotone>
+            <a:extLst>
+              <a:ext uri="{28A0092B-C50C-407E-A947-70E740481C1C}">
+                <a14:useLocalDpi xmlns:a14="http://schemas.microsoft.com/office/drawing/2010/main" val="0"/>
+              </a:ext>
+            </a:extLst>
+          </a:blip>
+          <a:srcRect l="-115" r="59215" b="36435"/>
+          <a:stretch/>
+        </p:blipFill>
         <p:spPr>
-          <a:xfrm>
-            <a:off x="9439111" y="798973"/>
-            <a:ext cx="0" cy="4659889"/>
+          <a:xfrm rot="5400000">
+            <a:off x="8642279" y="3046916"/>
+            <a:ext cx="4663440" cy="155448"/>
           </a:xfrm>
-          <a:prstGeom prst="line">
+          <a:prstGeom prst="rect">
             <a:avLst/>
           </a:prstGeom>
-          <a:ln w="31750"/>
+          <a:noFill/>
+          <a:ln>
+            <a:noFill/>
+          </a:ln>
         </p:spPr>
-        <p:style>
-          <a:lnRef idx="3">
-            <a:schemeClr val="accent1"/>
-          </a:lnRef>
-          <a:fillRef idx="0">
-            <a:schemeClr val="accent1"/>
-          </a:fillRef>
-          <a:effectRef idx="2">
-            <a:schemeClr val="accent1"/>
-          </a:effectRef>
-          <a:fontRef idx="minor">
-            <a:schemeClr val="tx1"/>
-          </a:fontRef>
-        </p:style>
-      </p:cxnSp>
+      </p:pic>
     </p:spTree>
     <p:extLst>
       <p:ext uri="{BB962C8B-B14F-4D97-AF65-F5344CB8AC3E}">
-        <p14:creationId xmlns:p14="http://schemas.microsoft.com/office/powerpoint/2010/main" xmlns="" val="3939183265"/>
+        <p14:creationId xmlns:p14="http://schemas.microsoft.com/office/powerpoint/2010/main" val="914882038"/>
       </p:ext>
     </p:extLst>
   </p:cSld>
@@ -815,6 +1220,13 @@
       </p:stSnd>
     </p:sndAc>
   </p:transition>
+  <p:timing>
+    <p:tnLst>
+      <p:par>
+        <p:cTn id="1" dur="indefinite" restart="never" nodeType="tmRoot"/>
+      </p:par>
+    </p:tnLst>
+  </p:timing>
 </p:sldLayout>
 </file>
 
@@ -851,7 +1263,7 @@
           <a:lstStyle/>
           <a:p>
             <a:r>
-              <a:rPr lang="en-US"/>
+              <a:rPr lang="en-US" smtClean="0"/>
               <a:t>Click to edit Master title style</a:t>
             </a:r>
             <a:endParaRPr lang="en-US" dirty="0"/>
@@ -875,35 +1287,35 @@
           <a:p>
             <a:pPr lvl="0"/>
             <a:r>
-              <a:rPr lang="en-US"/>
-              <a:t>Click to edit Master text styles</a:t>
+              <a:rPr lang="en-US" smtClean="0"/>
+              <a:t>Edit Master text styles</a:t>
             </a:r>
           </a:p>
           <a:p>
             <a:pPr lvl="1"/>
             <a:r>
-              <a:rPr lang="en-US"/>
+              <a:rPr lang="en-US" smtClean="0"/>
               <a:t>Second level</a:t>
             </a:r>
           </a:p>
           <a:p>
             <a:pPr lvl="2"/>
             <a:r>
-              <a:rPr lang="en-US"/>
+              <a:rPr lang="en-US" smtClean="0"/>
               <a:t>Third level</a:t>
             </a:r>
           </a:p>
           <a:p>
             <a:pPr lvl="3"/>
             <a:r>
-              <a:rPr lang="en-US"/>
+              <a:rPr lang="en-US" smtClean="0"/>
               <a:t>Fourth level</a:t>
             </a:r>
           </a:p>
           <a:p>
             <a:pPr lvl="4"/>
             <a:r>
-              <a:rPr lang="en-US"/>
+              <a:rPr lang="en-US" smtClean="0"/>
               <a:t>Fifth level</a:t>
             </a:r>
             <a:endParaRPr lang="en-US" dirty="0"/>
@@ -923,7 +1335,11 @@
         <p:spPr/>
         <p:txBody>
           <a:bodyPr/>
-          <a:lstStyle/>
+          <a:lstStyle>
+            <a:lvl1pPr>
+              <a:defRPr sz="1200"/>
+            </a:lvl1pPr>
+          </a:lstStyle>
           <a:p>
             <a:fld id="{96DFF08F-DC6B-4601-B491-B0F83F6DD2DA}" type="datetimeFigureOut">
               <a:rPr lang="en-US" smtClean="0"/>
@@ -947,7 +1363,11 @@
         <p:spPr/>
         <p:txBody>
           <a:bodyPr/>
-          <a:lstStyle/>
+          <a:lstStyle>
+            <a:lvl1pPr>
+              <a:defRPr sz="1200"/>
+            </a:lvl1pPr>
+          </a:lstStyle>
           <a:p>
             <a:endParaRPr lang="en-US" dirty="0"/>
           </a:p>
@@ -977,41 +1397,50 @@
           </a:p>
         </p:txBody>
       </p:sp>
-      <p:cxnSp>
-        <p:nvCxnSpPr>
-          <p:cNvPr id="33" name="Straight Connector 32"/>
-          <p:cNvCxnSpPr/>
+      <p:pic>
+        <p:nvPicPr>
+          <p:cNvPr id="24" name="Picture 23" descr="RedHashing.emf"/>
+          <p:cNvPicPr>
+            <a:picLocks/>
+          </p:cNvPicPr>
           <p:nvPr/>
-        </p:nvCxnSpPr>
+        </p:nvPicPr>
+        <p:blipFill rotWithShape="1">
+          <a:blip r:embed="rId3">
+            <a:duotone>
+              <a:schemeClr val="accent1">
+                <a:shade val="45000"/>
+                <a:satMod val="135000"/>
+              </a:schemeClr>
+              <a:prstClr val="white"/>
+            </a:duotone>
+            <a:extLst>
+              <a:ext uri="{28A0092B-C50C-407E-A947-70E740481C1C}">
+                <a14:useLocalDpi xmlns:a14="http://schemas.microsoft.com/office/drawing/2010/main" val="0"/>
+              </a:ext>
+            </a:extLst>
+          </a:blip>
+          <a:srcRect l="-115" r="15828" b="36435"/>
+          <a:stretch/>
+        </p:blipFill>
         <p:spPr>
           <a:xfrm>
-            <a:off x="1453896" y="1847088"/>
-            <a:ext cx="9607522" cy="0"/>
+            <a:off x="1125460" y="643464"/>
+            <a:ext cx="9610344" cy="155448"/>
           </a:xfrm>
-          <a:prstGeom prst="line">
+          <a:prstGeom prst="rect">
             <a:avLst/>
           </a:prstGeom>
-          <a:ln w="31750"/>
+          <a:noFill/>
+          <a:ln>
+            <a:noFill/>
+          </a:ln>
         </p:spPr>
-        <p:style>
-          <a:lnRef idx="3">
-            <a:schemeClr val="accent1"/>
-          </a:lnRef>
-          <a:fillRef idx="0">
-            <a:schemeClr val="accent1"/>
-          </a:fillRef>
-          <a:effectRef idx="2">
-            <a:schemeClr val="accent1"/>
-          </a:effectRef>
-          <a:fontRef idx="minor">
-            <a:schemeClr val="tx1"/>
-          </a:fontRef>
-        </p:style>
-      </p:cxnSp>
+      </p:pic>
     </p:spTree>
     <p:extLst>
       <p:ext uri="{BB962C8B-B14F-4D97-AF65-F5344CB8AC3E}">
-        <p14:creationId xmlns:p14="http://schemas.microsoft.com/office/powerpoint/2010/main" xmlns="" val="2024202557"/>
+        <p14:creationId xmlns:p14="http://schemas.microsoft.com/office/powerpoint/2010/main" val="1767106945"/>
       </p:ext>
     </p:extLst>
   </p:cSld>
@@ -1026,6 +1455,13 @@
       </p:stSnd>
     </p:sndAc>
   </p:transition>
+  <p:timing>
+    <p:tnLst>
+      <p:par>
+        <p:cTn id="1" dur="indefinite" restart="never" nodeType="tmRoot"/>
+      </p:par>
+    </p:tnLst>
+  </p:timing>
 </p:sldLayout>
 </file>
 
@@ -1058,8 +1494,8 @@
         </p:nvSpPr>
         <p:spPr>
           <a:xfrm>
-            <a:off x="1454239" y="1756130"/>
-            <a:ext cx="8643154" cy="1887950"/>
+            <a:off x="1129167" y="1756129"/>
+            <a:ext cx="8619060" cy="2050065"/>
           </a:xfrm>
         </p:spPr>
         <p:txBody>
@@ -1073,7 +1509,7 @@
           </a:lstStyle>
           <a:p>
             <a:r>
-              <a:rPr lang="en-US"/>
+              <a:rPr lang="en-US" smtClean="0"/>
               <a:t>Click to edit Master title style</a:t>
             </a:r>
             <a:endParaRPr lang="en-US" dirty="0"/>
@@ -1092,8 +1528,8 @@
         </p:nvSpPr>
         <p:spPr>
           <a:xfrm>
-            <a:off x="1454239" y="3806195"/>
-            <a:ext cx="8630446" cy="1012929"/>
+            <a:off x="1129166" y="3806195"/>
+            <a:ext cx="8619060" cy="1012929"/>
           </a:xfrm>
         </p:spPr>
         <p:txBody>
@@ -1193,8 +1629,8 @@
           <a:p>
             <a:pPr lvl="0"/>
             <a:r>
-              <a:rPr lang="en-US"/>
-              <a:t>Click to edit Master text styles</a:t>
+              <a:rPr lang="en-US" smtClean="0"/>
+              <a:t>Edit Master text styles</a:t>
             </a:r>
           </a:p>
         </p:txBody>
@@ -1266,41 +1702,50 @@
           </a:p>
         </p:txBody>
       </p:sp>
-      <p:cxnSp>
-        <p:nvCxnSpPr>
-          <p:cNvPr id="15" name="Straight Connector 14"/>
-          <p:cNvCxnSpPr/>
+      <p:pic>
+        <p:nvPicPr>
+          <p:cNvPr id="16" name="Picture 15" descr="RedHashing.emf"/>
+          <p:cNvPicPr>
+            <a:picLocks/>
+          </p:cNvPicPr>
           <p:nvPr/>
-        </p:nvCxnSpPr>
+        </p:nvPicPr>
+        <p:blipFill rotWithShape="1">
+          <a:blip r:embed="rId3">
+            <a:duotone>
+              <a:schemeClr val="accent1">
+                <a:shade val="45000"/>
+                <a:satMod val="135000"/>
+              </a:schemeClr>
+              <a:prstClr val="white"/>
+            </a:duotone>
+            <a:extLst>
+              <a:ext uri="{28A0092B-C50C-407E-A947-70E740481C1C}">
+                <a14:useLocalDpi xmlns:a14="http://schemas.microsoft.com/office/drawing/2010/main" val="0"/>
+              </a:ext>
+            </a:extLst>
+          </a:blip>
+          <a:srcRect l="-115" r="15828" b="36435"/>
+          <a:stretch/>
+        </p:blipFill>
         <p:spPr>
           <a:xfrm>
-            <a:off x="1454239" y="3804985"/>
-            <a:ext cx="8630446" cy="0"/>
+            <a:off x="1125460" y="643464"/>
+            <a:ext cx="9610344" cy="155448"/>
           </a:xfrm>
-          <a:prstGeom prst="line">
+          <a:prstGeom prst="rect">
             <a:avLst/>
           </a:prstGeom>
-          <a:ln w="31750"/>
+          <a:noFill/>
+          <a:ln>
+            <a:noFill/>
+          </a:ln>
         </p:spPr>
-        <p:style>
-          <a:lnRef idx="3">
-            <a:schemeClr val="accent1"/>
-          </a:lnRef>
-          <a:fillRef idx="0">
-            <a:schemeClr val="accent1"/>
-          </a:fillRef>
-          <a:effectRef idx="2">
-            <a:schemeClr val="accent1"/>
-          </a:effectRef>
-          <a:fontRef idx="minor">
-            <a:schemeClr val="tx1"/>
-          </a:fontRef>
-        </p:style>
-      </p:cxnSp>
+      </p:pic>
     </p:spTree>
     <p:extLst>
       <p:ext uri="{BB962C8B-B14F-4D97-AF65-F5344CB8AC3E}">
-        <p14:creationId xmlns:p14="http://schemas.microsoft.com/office/powerpoint/2010/main" xmlns="" val="401767503"/>
+        <p14:creationId xmlns:p14="http://schemas.microsoft.com/office/powerpoint/2010/main" val="3905987947"/>
       </p:ext>
     </p:extLst>
   </p:cSld>
@@ -1315,6 +1760,13 @@
       </p:stSnd>
     </p:sndAc>
   </p:transition>
+  <p:timing>
+    <p:tnLst>
+      <p:par>
+        <p:cTn id="1" dur="indefinite" restart="never" nodeType="tmRoot"/>
+      </p:par>
+    </p:tnLst>
+  </p:timing>
 </p:sldLayout>
 </file>
 
@@ -1347,7 +1799,7 @@
         </p:nvSpPr>
         <p:spPr>
           <a:xfrm>
-            <a:off x="1449217" y="804889"/>
+            <a:off x="1131052" y="958037"/>
             <a:ext cx="9605635" cy="1059305"/>
           </a:xfrm>
         </p:spPr>
@@ -1356,7 +1808,7 @@
           <a:lstStyle/>
           <a:p>
             <a:r>
-              <a:rPr lang="en-US"/>
+              <a:rPr lang="en-US" smtClean="0"/>
               <a:t>Click to edit Master title style</a:t>
             </a:r>
             <a:endParaRPr lang="en-US" dirty="0"/>
@@ -1375,8 +1827,8 @@
         </p:nvSpPr>
         <p:spPr>
           <a:xfrm>
-            <a:off x="1447331" y="2010878"/>
-            <a:ext cx="4645152" cy="3448595"/>
+            <a:off x="1129166" y="2165621"/>
+            <a:ext cx="4645152" cy="3293852"/>
           </a:xfrm>
         </p:spPr>
         <p:txBody>
@@ -1385,35 +1837,35 @@
           <a:p>
             <a:pPr lvl="0"/>
             <a:r>
-              <a:rPr lang="en-US"/>
-              <a:t>Click to edit Master text styles</a:t>
+              <a:rPr lang="en-US" smtClean="0"/>
+              <a:t>Edit Master text styles</a:t>
             </a:r>
           </a:p>
           <a:p>
             <a:pPr lvl="1"/>
             <a:r>
-              <a:rPr lang="en-US"/>
+              <a:rPr lang="en-US" smtClean="0"/>
               <a:t>Second level</a:t>
             </a:r>
           </a:p>
           <a:p>
             <a:pPr lvl="2"/>
             <a:r>
-              <a:rPr lang="en-US"/>
+              <a:rPr lang="en-US" smtClean="0"/>
               <a:t>Third level</a:t>
             </a:r>
           </a:p>
           <a:p>
             <a:pPr lvl="3"/>
             <a:r>
-              <a:rPr lang="en-US"/>
+              <a:rPr lang="en-US" smtClean="0"/>
               <a:t>Fourth level</a:t>
             </a:r>
           </a:p>
           <a:p>
             <a:pPr lvl="4"/>
             <a:r>
-              <a:rPr lang="en-US"/>
+              <a:rPr lang="en-US" smtClean="0"/>
               <a:t>Fifth level</a:t>
             </a:r>
             <a:endParaRPr lang="en-US" dirty="0"/>
@@ -1432,8 +1884,8 @@
         </p:nvSpPr>
         <p:spPr>
           <a:xfrm>
-            <a:off x="6413771" y="2017343"/>
-            <a:ext cx="4645152" cy="3441520"/>
+            <a:off x="6095606" y="2171769"/>
+            <a:ext cx="4645152" cy="3287094"/>
           </a:xfrm>
         </p:spPr>
         <p:txBody>
@@ -1442,35 +1894,35 @@
           <a:p>
             <a:pPr lvl="0"/>
             <a:r>
-              <a:rPr lang="en-US"/>
-              <a:t>Click to edit Master text styles</a:t>
+              <a:rPr lang="en-US" smtClean="0"/>
+              <a:t>Edit Master text styles</a:t>
             </a:r>
           </a:p>
           <a:p>
             <a:pPr lvl="1"/>
             <a:r>
-              <a:rPr lang="en-US"/>
+              <a:rPr lang="en-US" smtClean="0"/>
               <a:t>Second level</a:t>
             </a:r>
           </a:p>
           <a:p>
             <a:pPr lvl="2"/>
             <a:r>
-              <a:rPr lang="en-US"/>
+              <a:rPr lang="en-US" smtClean="0"/>
               <a:t>Third level</a:t>
             </a:r>
           </a:p>
           <a:p>
             <a:pPr lvl="3"/>
             <a:r>
-              <a:rPr lang="en-US"/>
+              <a:rPr lang="en-US" smtClean="0"/>
               <a:t>Fourth level</a:t>
             </a:r>
           </a:p>
           <a:p>
             <a:pPr lvl="4"/>
             <a:r>
-              <a:rPr lang="en-US"/>
+              <a:rPr lang="en-US" smtClean="0"/>
               <a:t>Fifth level</a:t>
             </a:r>
             <a:endParaRPr lang="en-US" dirty="0"/>
@@ -1544,41 +1996,50 @@
           </a:p>
         </p:txBody>
       </p:sp>
-      <p:cxnSp>
-        <p:nvCxnSpPr>
-          <p:cNvPr id="35" name="Straight Connector 34"/>
-          <p:cNvCxnSpPr/>
+      <p:pic>
+        <p:nvPicPr>
+          <p:cNvPr id="16" name="Picture 15" descr="RedHashing.emf"/>
+          <p:cNvPicPr>
+            <a:picLocks/>
+          </p:cNvPicPr>
           <p:nvPr/>
-        </p:nvCxnSpPr>
+        </p:nvPicPr>
+        <p:blipFill rotWithShape="1">
+          <a:blip r:embed="rId3">
+            <a:duotone>
+              <a:schemeClr val="accent1">
+                <a:shade val="45000"/>
+                <a:satMod val="135000"/>
+              </a:schemeClr>
+              <a:prstClr val="white"/>
+            </a:duotone>
+            <a:extLst>
+              <a:ext uri="{28A0092B-C50C-407E-A947-70E740481C1C}">
+                <a14:useLocalDpi xmlns:a14="http://schemas.microsoft.com/office/drawing/2010/main" val="0"/>
+              </a:ext>
+            </a:extLst>
+          </a:blip>
+          <a:srcRect l="-115" r="15828" b="36435"/>
+          <a:stretch/>
+        </p:blipFill>
         <p:spPr>
           <a:xfrm>
-            <a:off x="1453896" y="1847088"/>
-            <a:ext cx="9607522" cy="0"/>
+            <a:off x="1125460" y="643464"/>
+            <a:ext cx="9610344" cy="155448"/>
           </a:xfrm>
-          <a:prstGeom prst="line">
+          <a:prstGeom prst="rect">
             <a:avLst/>
           </a:prstGeom>
-          <a:ln w="31750"/>
+          <a:noFill/>
+          <a:ln>
+            <a:noFill/>
+          </a:ln>
         </p:spPr>
-        <p:style>
-          <a:lnRef idx="3">
-            <a:schemeClr val="accent1"/>
-          </a:lnRef>
-          <a:fillRef idx="0">
-            <a:schemeClr val="accent1"/>
-          </a:fillRef>
-          <a:effectRef idx="2">
-            <a:schemeClr val="accent1"/>
-          </a:effectRef>
-          <a:fontRef idx="minor">
-            <a:schemeClr val="tx1"/>
-          </a:fontRef>
-        </p:style>
-      </p:cxnSp>
+      </p:pic>
     </p:spTree>
     <p:extLst>
       <p:ext uri="{BB962C8B-B14F-4D97-AF65-F5344CB8AC3E}">
-        <p14:creationId xmlns:p14="http://schemas.microsoft.com/office/powerpoint/2010/main" xmlns="" val="321263005"/>
+        <p14:creationId xmlns:p14="http://schemas.microsoft.com/office/powerpoint/2010/main" val="750203292"/>
       </p:ext>
     </p:extLst>
   </p:cSld>
@@ -1593,6 +2054,13 @@
       </p:stSnd>
     </p:sndAc>
   </p:transition>
+  <p:timing>
+    <p:tnLst>
+      <p:par>
+        <p:cTn id="1" dur="indefinite" restart="never" nodeType="tmRoot"/>
+      </p:par>
+    </p:tnLst>
+  </p:timing>
 </p:sldLayout>
 </file>
 
@@ -1625,7 +2093,7 @@
         </p:nvSpPr>
         <p:spPr>
           <a:xfrm>
-            <a:off x="1447191" y="804163"/>
+            <a:off x="1129166" y="953336"/>
             <a:ext cx="9607661" cy="1056319"/>
           </a:xfrm>
         </p:spPr>
@@ -1634,7 +2102,7 @@
           <a:lstStyle/>
           <a:p>
             <a:r>
-              <a:rPr lang="en-US"/>
+              <a:rPr lang="en-US" smtClean="0"/>
               <a:t>Click to edit Master title style</a:t>
             </a:r>
             <a:endParaRPr lang="en-US" dirty="0"/>
@@ -1653,7 +2121,7 @@
         </p:nvSpPr>
         <p:spPr>
           <a:xfrm>
-            <a:off x="1447191" y="2019549"/>
+            <a:off x="1129166" y="2169727"/>
             <a:ext cx="4645152" cy="801943"/>
           </a:xfrm>
         </p:spPr>
@@ -1667,7 +2135,7 @@
                 <a:spcPct val="100000"/>
               </a:lnSpc>
               <a:buNone/>
-              <a:defRPr sz="2200" b="0" cap="all" baseline="0">
+              <a:defRPr sz="2800" b="0" cap="none" baseline="0">
                 <a:solidFill>
                   <a:schemeClr val="accent1"/>
                 </a:solidFill>
@@ -1709,8 +2177,8 @@
           <a:p>
             <a:pPr lvl="0"/>
             <a:r>
-              <a:rPr lang="en-US"/>
-              <a:t>Click to edit Master text styles</a:t>
+              <a:rPr lang="en-US" smtClean="0"/>
+              <a:t>Edit Master text styles</a:t>
             </a:r>
           </a:p>
         </p:txBody>
@@ -1727,8 +2195,8 @@
         </p:nvSpPr>
         <p:spPr>
           <a:xfrm>
-            <a:off x="1447191" y="2824269"/>
-            <a:ext cx="4645152" cy="2644457"/>
+            <a:off x="1129166" y="2974448"/>
+            <a:ext cx="4645152" cy="2493876"/>
           </a:xfrm>
         </p:spPr>
         <p:txBody>
@@ -1737,35 +2205,35 @@
           <a:p>
             <a:pPr lvl="0"/>
             <a:r>
-              <a:rPr lang="en-US"/>
-              <a:t>Click to edit Master text styles</a:t>
+              <a:rPr lang="en-US" smtClean="0"/>
+              <a:t>Edit Master text styles</a:t>
             </a:r>
           </a:p>
           <a:p>
             <a:pPr lvl="1"/>
             <a:r>
-              <a:rPr lang="en-US"/>
+              <a:rPr lang="en-US" smtClean="0"/>
               <a:t>Second level</a:t>
             </a:r>
           </a:p>
           <a:p>
             <a:pPr lvl="2"/>
             <a:r>
-              <a:rPr lang="en-US"/>
+              <a:rPr lang="en-US" smtClean="0"/>
               <a:t>Third level</a:t>
             </a:r>
           </a:p>
           <a:p>
             <a:pPr lvl="3"/>
             <a:r>
-              <a:rPr lang="en-US"/>
+              <a:rPr lang="en-US" smtClean="0"/>
               <a:t>Fourth level</a:t>
             </a:r>
           </a:p>
           <a:p>
             <a:pPr lvl="4"/>
             <a:r>
-              <a:rPr lang="en-US"/>
+              <a:rPr lang="en-US" smtClean="0"/>
               <a:t>Fifth level</a:t>
             </a:r>
             <a:endParaRPr lang="en-US" dirty="0"/>
@@ -1784,7 +2252,7 @@
         </p:nvSpPr>
         <p:spPr>
           <a:xfrm>
-            <a:off x="6412362" y="2023003"/>
+            <a:off x="6094337" y="2173181"/>
             <a:ext cx="4645152" cy="802237"/>
           </a:xfrm>
         </p:spPr>
@@ -1798,7 +2266,7 @@
                 <a:spcPct val="100000"/>
               </a:lnSpc>
               <a:buNone/>
-              <a:defRPr sz="2200" b="0" cap="all" baseline="0">
+              <a:defRPr sz="2800" b="0" cap="none" baseline="0">
                 <a:solidFill>
                   <a:schemeClr val="accent1"/>
                 </a:solidFill>
@@ -1840,8 +2308,8 @@
           <a:p>
             <a:pPr lvl="0"/>
             <a:r>
-              <a:rPr lang="en-US"/>
-              <a:t>Click to edit Master text styles</a:t>
+              <a:rPr lang="en-US" smtClean="0"/>
+              <a:t>Edit Master text styles</a:t>
             </a:r>
           </a:p>
         </p:txBody>
@@ -1858,8 +2326,8 @@
         </p:nvSpPr>
         <p:spPr>
           <a:xfrm>
-            <a:off x="6412362" y="2821491"/>
-            <a:ext cx="4645152" cy="2637371"/>
+            <a:off x="6094337" y="2971669"/>
+            <a:ext cx="4645152" cy="2487193"/>
           </a:xfrm>
         </p:spPr>
         <p:txBody>
@@ -1868,35 +2336,35 @@
           <a:p>
             <a:pPr lvl="0"/>
             <a:r>
-              <a:rPr lang="en-US"/>
-              <a:t>Click to edit Master text styles</a:t>
+              <a:rPr lang="en-US" smtClean="0"/>
+              <a:t>Edit Master text styles</a:t>
             </a:r>
           </a:p>
           <a:p>
             <a:pPr lvl="1"/>
             <a:r>
-              <a:rPr lang="en-US"/>
+              <a:rPr lang="en-US" smtClean="0"/>
               <a:t>Second level</a:t>
             </a:r>
           </a:p>
           <a:p>
             <a:pPr lvl="2"/>
             <a:r>
-              <a:rPr lang="en-US"/>
+              <a:rPr lang="en-US" smtClean="0"/>
               <a:t>Third level</a:t>
             </a:r>
           </a:p>
           <a:p>
             <a:pPr lvl="3"/>
             <a:r>
-              <a:rPr lang="en-US"/>
+              <a:rPr lang="en-US" smtClean="0"/>
               <a:t>Fourth level</a:t>
             </a:r>
           </a:p>
           <a:p>
             <a:pPr lvl="4"/>
             <a:r>
-              <a:rPr lang="en-US"/>
+              <a:rPr lang="en-US" smtClean="0"/>
               <a:t>Fifth level</a:t>
             </a:r>
             <a:endParaRPr lang="en-US" dirty="0"/>
@@ -1970,41 +2438,50 @@
           </a:p>
         </p:txBody>
       </p:sp>
-      <p:cxnSp>
-        <p:nvCxnSpPr>
-          <p:cNvPr id="29" name="Straight Connector 28"/>
-          <p:cNvCxnSpPr/>
+      <p:pic>
+        <p:nvPicPr>
+          <p:cNvPr id="18" name="Picture 17" descr="RedHashing.emf"/>
+          <p:cNvPicPr>
+            <a:picLocks/>
+          </p:cNvPicPr>
           <p:nvPr/>
-        </p:nvCxnSpPr>
+        </p:nvPicPr>
+        <p:blipFill rotWithShape="1">
+          <a:blip r:embed="rId3">
+            <a:duotone>
+              <a:schemeClr val="accent1">
+                <a:shade val="45000"/>
+                <a:satMod val="135000"/>
+              </a:schemeClr>
+              <a:prstClr val="white"/>
+            </a:duotone>
+            <a:extLst>
+              <a:ext uri="{28A0092B-C50C-407E-A947-70E740481C1C}">
+                <a14:useLocalDpi xmlns:a14="http://schemas.microsoft.com/office/drawing/2010/main" val="0"/>
+              </a:ext>
+            </a:extLst>
+          </a:blip>
+          <a:srcRect l="-115" r="15828" b="36435"/>
+          <a:stretch/>
+        </p:blipFill>
         <p:spPr>
           <a:xfrm>
-            <a:off x="1453896" y="1847088"/>
-            <a:ext cx="9607522" cy="0"/>
+            <a:off x="1125460" y="643464"/>
+            <a:ext cx="9610344" cy="155448"/>
           </a:xfrm>
-          <a:prstGeom prst="line">
+          <a:prstGeom prst="rect">
             <a:avLst/>
           </a:prstGeom>
-          <a:ln w="31750"/>
+          <a:noFill/>
+          <a:ln>
+            <a:noFill/>
+          </a:ln>
         </p:spPr>
-        <p:style>
-          <a:lnRef idx="3">
-            <a:schemeClr val="accent1"/>
-          </a:lnRef>
-          <a:fillRef idx="0">
-            <a:schemeClr val="accent1"/>
-          </a:fillRef>
-          <a:effectRef idx="2">
-            <a:schemeClr val="accent1"/>
-          </a:effectRef>
-          <a:fontRef idx="minor">
-            <a:schemeClr val="tx1"/>
-          </a:fontRef>
-        </p:style>
-      </p:cxnSp>
+      </p:pic>
     </p:spTree>
     <p:extLst>
       <p:ext uri="{BB962C8B-B14F-4D97-AF65-F5344CB8AC3E}">
-        <p14:creationId xmlns:p14="http://schemas.microsoft.com/office/powerpoint/2010/main" xmlns="" val="1412146364"/>
+        <p14:creationId xmlns:p14="http://schemas.microsoft.com/office/powerpoint/2010/main" val="64619009"/>
       </p:ext>
     </p:extLst>
   </p:cSld>
@@ -2019,6 +2496,13 @@
       </p:stSnd>
     </p:sndAc>
   </p:transition>
+  <p:timing>
+    <p:tnLst>
+      <p:par>
+        <p:cTn id="1" dur="indefinite" restart="never" nodeType="tmRoot"/>
+      </p:par>
+    </p:tnLst>
+  </p:timing>
 </p:sldLayout>
 </file>
 
@@ -2055,7 +2539,7 @@
           <a:lstStyle/>
           <a:p>
             <a:r>
-              <a:rPr lang="en-US"/>
+              <a:rPr lang="en-US" smtClean="0"/>
               <a:t>Click to edit Master title style</a:t>
             </a:r>
             <a:endParaRPr lang="en-US" dirty="0"/>
@@ -2129,41 +2613,50 @@
           </a:p>
         </p:txBody>
       </p:sp>
-      <p:cxnSp>
-        <p:nvCxnSpPr>
-          <p:cNvPr id="25" name="Straight Connector 24"/>
-          <p:cNvCxnSpPr/>
+      <p:pic>
+        <p:nvPicPr>
+          <p:cNvPr id="14" name="Picture 13" descr="RedHashing.emf"/>
+          <p:cNvPicPr>
+            <a:picLocks/>
+          </p:cNvPicPr>
           <p:nvPr/>
-        </p:nvCxnSpPr>
+        </p:nvPicPr>
+        <p:blipFill rotWithShape="1">
+          <a:blip r:embed="rId3">
+            <a:duotone>
+              <a:schemeClr val="accent1">
+                <a:shade val="45000"/>
+                <a:satMod val="135000"/>
+              </a:schemeClr>
+              <a:prstClr val="white"/>
+            </a:duotone>
+            <a:extLst>
+              <a:ext uri="{28A0092B-C50C-407E-A947-70E740481C1C}">
+                <a14:useLocalDpi xmlns:a14="http://schemas.microsoft.com/office/drawing/2010/main" val="0"/>
+              </a:ext>
+            </a:extLst>
+          </a:blip>
+          <a:srcRect l="-115" r="15828" b="36435"/>
+          <a:stretch/>
+        </p:blipFill>
         <p:spPr>
           <a:xfrm>
-            <a:off x="1453896" y="1847088"/>
-            <a:ext cx="9607522" cy="0"/>
+            <a:off x="1125460" y="643464"/>
+            <a:ext cx="9610344" cy="155448"/>
           </a:xfrm>
-          <a:prstGeom prst="line">
+          <a:prstGeom prst="rect">
             <a:avLst/>
           </a:prstGeom>
-          <a:ln w="31750"/>
+          <a:noFill/>
+          <a:ln>
+            <a:noFill/>
+          </a:ln>
         </p:spPr>
-        <p:style>
-          <a:lnRef idx="3">
-            <a:schemeClr val="accent1"/>
-          </a:lnRef>
-          <a:fillRef idx="0">
-            <a:schemeClr val="accent1"/>
-          </a:fillRef>
-          <a:effectRef idx="2">
-            <a:schemeClr val="accent1"/>
-          </a:effectRef>
-          <a:fontRef idx="minor">
-            <a:schemeClr val="tx1"/>
-          </a:fontRef>
-        </p:style>
-      </p:cxnSp>
+      </p:pic>
     </p:spTree>
     <p:extLst>
       <p:ext uri="{BB962C8B-B14F-4D97-AF65-F5344CB8AC3E}">
-        <p14:creationId xmlns:p14="http://schemas.microsoft.com/office/powerpoint/2010/main" xmlns="" val="1274486109"/>
+        <p14:creationId xmlns:p14="http://schemas.microsoft.com/office/powerpoint/2010/main" val="2707901084"/>
       </p:ext>
     </p:extLst>
   </p:cSld>
@@ -2178,6 +2671,13 @@
       </p:stSnd>
     </p:sndAc>
   </p:transition>
+  <p:timing>
+    <p:tnLst>
+      <p:par>
+        <p:cTn id="1" dur="indefinite" restart="never" nodeType="tmRoot"/>
+      </p:par>
+    </p:tnLst>
+  </p:timing>
 </p:sldLayout>
 </file>
 
@@ -2268,7 +2768,7 @@
     </p:spTree>
     <p:extLst>
       <p:ext uri="{BB962C8B-B14F-4D97-AF65-F5344CB8AC3E}">
-        <p14:creationId xmlns:p14="http://schemas.microsoft.com/office/powerpoint/2010/main" xmlns="" val="1936585316"/>
+        <p14:creationId xmlns:p14="http://schemas.microsoft.com/office/powerpoint/2010/main" val="3935134377"/>
       </p:ext>
     </p:extLst>
   </p:cSld>
@@ -2283,6 +2783,13 @@
       </p:stSnd>
     </p:sndAc>
   </p:transition>
+  <p:timing>
+    <p:tnLst>
+      <p:par>
+        <p:cTn id="1" dur="indefinite" restart="never" nodeType="tmRoot"/>
+      </p:par>
+    </p:tnLst>
+  </p:timing>
 </p:sldLayout>
 </file>
 
@@ -2315,8 +2822,8 @@
         </p:nvSpPr>
         <p:spPr>
           <a:xfrm>
-            <a:off x="1444671" y="798973"/>
-            <a:ext cx="3273099" cy="2247117"/>
+            <a:off x="1124291" y="952578"/>
+            <a:ext cx="3275013" cy="2322176"/>
           </a:xfrm>
         </p:spPr>
         <p:txBody>
@@ -2330,7 +2837,7 @@
           </a:lstStyle>
           <a:p>
             <a:r>
-              <a:rPr lang="en-US"/>
+              <a:rPr lang="en-US" smtClean="0"/>
               <a:t>Click to edit Master title style</a:t>
             </a:r>
             <a:endParaRPr lang="en-US" dirty="0"/>
@@ -2349,8 +2856,8 @@
         </p:nvSpPr>
         <p:spPr>
           <a:xfrm>
-            <a:off x="5043714" y="798974"/>
-            <a:ext cx="6012470" cy="4658826"/>
+            <a:off x="4723334" y="952578"/>
+            <a:ext cx="6012470" cy="4505221"/>
           </a:xfrm>
         </p:spPr>
         <p:txBody>
@@ -2359,35 +2866,35 @@
           <a:p>
             <a:pPr lvl="0"/>
             <a:r>
-              <a:rPr lang="en-US"/>
-              <a:t>Click to edit Master text styles</a:t>
+              <a:rPr lang="en-US" smtClean="0"/>
+              <a:t>Edit Master text styles</a:t>
             </a:r>
           </a:p>
           <a:p>
             <a:pPr lvl="1"/>
             <a:r>
-              <a:rPr lang="en-US"/>
+              <a:rPr lang="en-US" smtClean="0"/>
               <a:t>Second level</a:t>
             </a:r>
           </a:p>
           <a:p>
             <a:pPr lvl="2"/>
             <a:r>
-              <a:rPr lang="en-US"/>
+              <a:rPr lang="en-US" smtClean="0"/>
               <a:t>Third level</a:t>
             </a:r>
           </a:p>
           <a:p>
             <a:pPr lvl="3"/>
             <a:r>
-              <a:rPr lang="en-US"/>
+              <a:rPr lang="en-US" smtClean="0"/>
               <a:t>Fourth level</a:t>
             </a:r>
           </a:p>
           <a:p>
             <a:pPr lvl="4"/>
             <a:r>
-              <a:rPr lang="en-US"/>
+              <a:rPr lang="en-US" smtClean="0"/>
               <a:t>Fifth level</a:t>
             </a:r>
             <a:endParaRPr lang="en-US" dirty="0"/>
@@ -2406,8 +2913,8 @@
         </p:nvSpPr>
         <p:spPr>
           <a:xfrm>
-            <a:off x="1444671" y="3205491"/>
-            <a:ext cx="3275013" cy="2248181"/>
+            <a:off x="1124291" y="3274754"/>
+            <a:ext cx="3275013" cy="2178918"/>
           </a:xfrm>
         </p:spPr>
         <p:txBody>
@@ -2453,8 +2960,8 @@
           <a:p>
             <a:pPr lvl="0"/>
             <a:r>
-              <a:rPr lang="en-US"/>
-              <a:t>Click to edit Master text styles</a:t>
+              <a:rPr lang="en-US" smtClean="0"/>
+              <a:t>Edit Master text styles</a:t>
             </a:r>
           </a:p>
         </p:txBody>
@@ -2526,41 +3033,50 @@
           </a:p>
         </p:txBody>
       </p:sp>
-      <p:cxnSp>
-        <p:nvCxnSpPr>
-          <p:cNvPr id="17" name="Straight Connector 16"/>
-          <p:cNvCxnSpPr/>
+      <p:pic>
+        <p:nvPicPr>
+          <p:cNvPr id="16" name="Picture 15" descr="RedHashing.emf"/>
+          <p:cNvPicPr>
+            <a:picLocks/>
+          </p:cNvPicPr>
           <p:nvPr/>
-        </p:nvCxnSpPr>
+        </p:nvPicPr>
+        <p:blipFill rotWithShape="1">
+          <a:blip r:embed="rId3">
+            <a:duotone>
+              <a:schemeClr val="accent1">
+                <a:shade val="45000"/>
+                <a:satMod val="135000"/>
+              </a:schemeClr>
+              <a:prstClr val="white"/>
+            </a:duotone>
+            <a:extLst>
+              <a:ext uri="{28A0092B-C50C-407E-A947-70E740481C1C}">
+                <a14:useLocalDpi xmlns:a14="http://schemas.microsoft.com/office/drawing/2010/main" val="0"/>
+              </a:ext>
+            </a:extLst>
+          </a:blip>
+          <a:srcRect l="-115" r="15828" b="36435"/>
+          <a:stretch/>
+        </p:blipFill>
         <p:spPr>
           <a:xfrm>
-            <a:off x="1448280" y="3205491"/>
-            <a:ext cx="3269490" cy="0"/>
+            <a:off x="1125460" y="643464"/>
+            <a:ext cx="9610344" cy="155448"/>
           </a:xfrm>
-          <a:prstGeom prst="line">
+          <a:prstGeom prst="rect">
             <a:avLst/>
           </a:prstGeom>
-          <a:ln w="31750"/>
+          <a:noFill/>
+          <a:ln>
+            <a:noFill/>
+          </a:ln>
         </p:spPr>
-        <p:style>
-          <a:lnRef idx="3">
-            <a:schemeClr val="accent1"/>
-          </a:lnRef>
-          <a:fillRef idx="0">
-            <a:schemeClr val="accent1"/>
-          </a:fillRef>
-          <a:effectRef idx="2">
-            <a:schemeClr val="accent1"/>
-          </a:effectRef>
-          <a:fontRef idx="minor">
-            <a:schemeClr val="tx1"/>
-          </a:fontRef>
-        </p:style>
-      </p:cxnSp>
+      </p:pic>
     </p:spTree>
     <p:extLst>
       <p:ext uri="{BB962C8B-B14F-4D97-AF65-F5344CB8AC3E}">
-        <p14:creationId xmlns:p14="http://schemas.microsoft.com/office/powerpoint/2010/main" xmlns="" val="133302100"/>
+        <p14:creationId xmlns:p14="http://schemas.microsoft.com/office/powerpoint/2010/main" val="12802467"/>
       </p:ext>
     </p:extLst>
   </p:cSld>
@@ -2575,6 +3091,13 @@
       </p:stSnd>
     </p:sndAc>
   </p:transition>
+  <p:timing>
+    <p:tnLst>
+      <p:par>
+        <p:cTn id="1" dur="indefinite" restart="never" nodeType="tmRoot"/>
+      </p:par>
+    </p:tnLst>
+  </p:timing>
 </p:sldLayout>
 </file>
 
@@ -2615,7 +3138,7 @@
             <p:cNvSpPr/>
             <p:nvPr/>
           </p:nvSpPr>
-          <p:spPr bwMode="black">
+          <p:spPr>
             <a:xfrm>
               <a:off x="7477387" y="482170"/>
               <a:ext cx="4074533" cy="5149101"/>
@@ -2626,10 +3149,16 @@
             <a:gradFill>
               <a:gsLst>
                 <a:gs pos="0">
-                  <a:srgbClr val="000001"/>
+                  <a:schemeClr val="tx1">
+                    <a:lumMod val="85000"/>
+                    <a:lumOff val="15000"/>
+                  </a:schemeClr>
                 </a:gs>
                 <a:gs pos="100000">
-                  <a:srgbClr val="191919"/>
+                  <a:schemeClr val="tx1">
+                    <a:lumMod val="95000"/>
+                    <a:lumOff val="5000"/>
+                  </a:schemeClr>
                 </a:gs>
               </a:gsLst>
             </a:gradFill>
@@ -2649,7 +3178,7 @@
               <a:lightRig rig="threePt" dir="t"/>
             </a:scene3d>
             <a:sp3d>
-              <a:bevelT w="152400" h="50800" prst="softRound"/>
+              <a:bevelT w="114300" prst="artDeco"/>
             </a:sp3d>
           </p:spPr>
           <p:style>
@@ -2673,7 +3202,7 @@
             <p:cNvSpPr/>
             <p:nvPr/>
           </p:nvSpPr>
-          <p:spPr bwMode="blackWhite">
+          <p:spPr>
             <a:xfrm>
               <a:off x="7790446" y="812506"/>
               <a:ext cx="3450289" cy="4466452"/>
@@ -2741,8 +3270,8 @@
         </p:nvSpPr>
         <p:spPr>
           <a:xfrm>
-            <a:off x="1451206" y="1129513"/>
-            <a:ext cx="5532328" cy="1830584"/>
+            <a:off x="1129124" y="1129513"/>
+            <a:ext cx="5854872" cy="1924208"/>
           </a:xfrm>
         </p:spPr>
         <p:txBody>
@@ -2756,7 +3285,7 @@
           </a:lstStyle>
           <a:p>
             <a:r>
-              <a:rPr lang="en-US"/>
+              <a:rPr lang="en-US" smtClean="0"/>
               <a:t>Click to edit Master title style</a:t>
             </a:r>
             <a:endParaRPr lang="en-US" dirty="0"/>
@@ -2831,7 +3360,7 @@
           </a:lstStyle>
           <a:p>
             <a:r>
-              <a:rPr lang="en-US"/>
+              <a:rPr lang="en-US" smtClean="0"/>
               <a:t>Click icon to add picture</a:t>
             </a:r>
             <a:endParaRPr lang="en-US" dirty="0"/>
@@ -2850,8 +3379,8 @@
         </p:nvSpPr>
         <p:spPr>
           <a:xfrm>
-            <a:off x="1450329" y="3145992"/>
-            <a:ext cx="5524404" cy="2003742"/>
+            <a:off x="1128247" y="3053721"/>
+            <a:ext cx="5846486" cy="2096013"/>
           </a:xfrm>
         </p:spPr>
         <p:txBody>
@@ -2899,8 +3428,8 @@
           <a:p>
             <a:pPr lvl="0"/>
             <a:r>
-              <a:rPr lang="en-US"/>
-              <a:t>Click to edit Master text styles</a:t>
+              <a:rPr lang="en-US" smtClean="0"/>
+              <a:t>Edit Master text styles</a:t>
             </a:r>
           </a:p>
         </p:txBody>
@@ -2917,8 +3446,8 @@
         </p:nvSpPr>
         <p:spPr>
           <a:xfrm>
-            <a:off x="1447382" y="5469856"/>
-            <a:ext cx="5527351" cy="320123"/>
+            <a:off x="1125300" y="5469856"/>
+            <a:ext cx="5849605" cy="320123"/>
           </a:xfrm>
         </p:spPr>
         <p:txBody>
@@ -2950,8 +3479,8 @@
         </p:nvSpPr>
         <p:spPr>
           <a:xfrm>
-            <a:off x="1447382" y="318640"/>
-            <a:ext cx="5541004" cy="320931"/>
+            <a:off x="1125300" y="318640"/>
+            <a:ext cx="4877818" cy="320931"/>
           </a:xfrm>
         </p:spPr>
         <p:txBody>
@@ -2972,7 +3501,12 @@
             <p:ph type="sldNum" sz="quarter" idx="12"/>
           </p:nvPr>
         </p:nvSpPr>
-        <p:spPr/>
+        <p:spPr>
+          <a:xfrm>
+            <a:off x="6176794" y="137408"/>
+            <a:ext cx="811019" cy="503578"/>
+          </a:xfrm>
+        </p:spPr>
         <p:txBody>
           <a:bodyPr/>
           <a:lstStyle/>
@@ -2986,41 +3520,50 @@
           </a:p>
         </p:txBody>
       </p:sp>
-      <p:cxnSp>
-        <p:nvCxnSpPr>
-          <p:cNvPr id="31" name="Straight Connector 30"/>
-          <p:cNvCxnSpPr/>
+      <p:pic>
+        <p:nvPicPr>
+          <p:cNvPr id="22" name="Picture 21" descr="RedHashing.emf"/>
+          <p:cNvPicPr>
+            <a:picLocks/>
+          </p:cNvPicPr>
           <p:nvPr/>
-        </p:nvCxnSpPr>
+        </p:nvPicPr>
+        <p:blipFill rotWithShape="1">
+          <a:blip r:embed="rId3">
+            <a:duotone>
+              <a:schemeClr val="accent1">
+                <a:shade val="45000"/>
+                <a:satMod val="135000"/>
+              </a:schemeClr>
+              <a:prstClr val="white"/>
+            </a:duotone>
+            <a:extLst>
+              <a:ext uri="{28A0092B-C50C-407E-A947-70E740481C1C}">
+                <a14:useLocalDpi xmlns:a14="http://schemas.microsoft.com/office/drawing/2010/main" val="0"/>
+              </a:ext>
+            </a:extLst>
+          </a:blip>
+          <a:srcRect l="-116" t="474" r="48549" b="36564"/>
+          <a:stretch/>
+        </p:blipFill>
         <p:spPr>
           <a:xfrm>
-            <a:off x="1447382" y="3143605"/>
-            <a:ext cx="5527351" cy="0"/>
+            <a:off x="1125460" y="643464"/>
+            <a:ext cx="5879592" cy="155448"/>
           </a:xfrm>
-          <a:prstGeom prst="line">
+          <a:prstGeom prst="rect">
             <a:avLst/>
           </a:prstGeom>
-          <a:ln w="31750"/>
+          <a:noFill/>
+          <a:ln>
+            <a:noFill/>
+          </a:ln>
         </p:spPr>
-        <p:style>
-          <a:lnRef idx="3">
-            <a:schemeClr val="accent1"/>
-          </a:lnRef>
-          <a:fillRef idx="0">
-            <a:schemeClr val="accent1"/>
-          </a:fillRef>
-          <a:effectRef idx="2">
-            <a:schemeClr val="accent1"/>
-          </a:effectRef>
-          <a:fontRef idx="minor">
-            <a:schemeClr val="tx1"/>
-          </a:fontRef>
-        </p:style>
-      </p:cxnSp>
+      </p:pic>
     </p:spTree>
     <p:extLst>
       <p:ext uri="{BB962C8B-B14F-4D97-AF65-F5344CB8AC3E}">
-        <p14:creationId xmlns:p14="http://schemas.microsoft.com/office/powerpoint/2010/main" xmlns="" val="4124862833"/>
+        <p14:creationId xmlns:p14="http://schemas.microsoft.com/office/powerpoint/2010/main" val="693301578"/>
       </p:ext>
     </p:extLst>
   </p:cSld>
@@ -3035,6 +3578,13 @@
       </p:stSnd>
     </p:sndAc>
   </p:transition>
+  <p:timing>
+    <p:tnLst>
+      <p:par>
+        <p:cTn id="1" dur="indefinite" restart="never" nodeType="tmRoot"/>
+      </p:par>
+    </p:tnLst>
+  </p:timing>
 </p:sldLayout>
 </file>
 
@@ -3043,7 +3593,7 @@
   <p:cSld>
     <p:bg>
       <p:bgRef idx="1003">
-        <a:schemeClr val="bg2"/>
+        <a:schemeClr val="bg1"/>
       </p:bgRef>
     </p:bg>
     <p:spTree>
@@ -3060,16 +3610,45 @@
           <a:chExt cx="0" cy="0"/>
         </a:xfrm>
       </p:grpSpPr>
-      <p:sp>
-        <p:nvSpPr>
-          <p:cNvPr id="8" name="Rectangle 7"/>
+      <p:pic>
+        <p:nvPicPr>
+          <p:cNvPr id="12" name="Picture 11"/>
+          <p:cNvPicPr>
+            <a:picLocks noChangeAspect="1"/>
+          </p:cNvPicPr>
+          <p:nvPr/>
+        </p:nvPicPr>
+        <p:blipFill rotWithShape="1">
+          <a:blip r:embed="rId14">
+            <a:extLst>
+              <a:ext uri="{28A0092B-C50C-407E-A947-70E740481C1C}">
+                <a14:useLocalDpi xmlns:a14="http://schemas.microsoft.com/office/drawing/2010/main" val="0"/>
+              </a:ext>
+            </a:extLst>
+          </a:blip>
+          <a:srcRect t="1538" b="-1538"/>
+          <a:stretch/>
+        </p:blipFill>
+        <p:spPr>
+          <a:xfrm>
+            <a:off x="0" y="6119336"/>
+            <a:ext cx="12192000" cy="742950"/>
+          </a:xfrm>
+          <a:prstGeom prst="rect">
+            <a:avLst/>
+          </a:prstGeom>
+        </p:spPr>
+      </p:pic>
+      <p:sp>
+        <p:nvSpPr>
+          <p:cNvPr id="13" name="Rectangle 12"/>
           <p:cNvSpPr/>
           <p:nvPr/>
         </p:nvSpPr>
         <p:spPr>
           <a:xfrm>
-            <a:off x="0" y="2019476"/>
-            <a:ext cx="12192000" cy="4105941"/>
+            <a:off x="0" y="468769"/>
+            <a:ext cx="12192000" cy="5647024"/>
           </a:xfrm>
           <a:prstGeom prst="rect">
             <a:avLst/>
@@ -3079,10 +3658,14 @@
               <a:gs pos="0">
                 <a:schemeClr val="bg2">
                   <a:alpha val="0"/>
+                  <a:lumMod val="100000"/>
                 </a:schemeClr>
               </a:gs>
               <a:gs pos="100000">
-                <a:schemeClr val="bg2"/>
+                <a:schemeClr val="bg2">
+                  <a:lumMod val="95000"/>
+                  <a:lumOff val="5000"/>
+                </a:schemeClr>
               </a:gs>
             </a:gsLst>
             <a:lin ang="5400000" scaled="0"/>
@@ -3109,258 +3692,15 @@
           </a:fontRef>
         </p:style>
       </p:sp>
-      <p:pic>
-        <p:nvPicPr>
-          <p:cNvPr id="7" name="Picture 6"/>
-          <p:cNvPicPr>
-            <a:picLocks noChangeAspect="1"/>
-          </p:cNvPicPr>
-          <p:nvPr/>
-        </p:nvPicPr>
-        <p:blipFill rotWithShape="1">
-          <a:blip r:embed="rId14">
-            <a:extLst>
-              <a:ext uri="{28A0092B-C50C-407E-A947-70E740481C1C}">
-                <a14:useLocalDpi xmlns:a14="http://schemas.microsoft.com/office/drawing/2010/main" xmlns="" val="0"/>
-              </a:ext>
-            </a:extLst>
-          </a:blip>
-          <a:srcRect t="1538" b="-1538"/>
-          <a:stretch/>
-        </p:blipFill>
-        <p:spPr bwMode="black">
-          <a:xfrm>
-            <a:off x="0" y="6126480"/>
-            <a:ext cx="12192000" cy="742950"/>
-          </a:xfrm>
-          <a:prstGeom prst="rect">
-            <a:avLst/>
-          </a:prstGeom>
-        </p:spPr>
-      </p:pic>
-      <p:sp>
-        <p:nvSpPr>
-          <p:cNvPr id="2" name="Title Placeholder 1"/>
-          <p:cNvSpPr>
-            <a:spLocks noGrp="1"/>
-          </p:cNvSpPr>
-          <p:nvPr>
-            <p:ph type="title"/>
-          </p:nvPr>
-        </p:nvSpPr>
-        <p:spPr>
-          <a:xfrm>
-            <a:off x="1451579" y="804519"/>
-            <a:ext cx="9603275" cy="1049235"/>
-          </a:xfrm>
-          <a:prstGeom prst="rect">
-            <a:avLst/>
-          </a:prstGeom>
-        </p:spPr>
-        <p:txBody>
-          <a:bodyPr vert="horz" lIns="91440" tIns="45720" rIns="91440" bIns="45720" rtlCol="0" anchor="t">
-            <a:normAutofit/>
-          </a:bodyPr>
-          <a:lstStyle/>
-          <a:p>
-            <a:r>
-              <a:rPr lang="en-US"/>
-              <a:t>Click to edit Master title style</a:t>
-            </a:r>
-            <a:endParaRPr lang="en-US" dirty="0"/>
-          </a:p>
-        </p:txBody>
-      </p:sp>
-      <p:sp>
-        <p:nvSpPr>
-          <p:cNvPr id="3" name="Text Placeholder 2"/>
-          <p:cNvSpPr>
-            <a:spLocks noGrp="1"/>
-          </p:cNvSpPr>
-          <p:nvPr>
-            <p:ph type="body" idx="1"/>
-          </p:nvPr>
-        </p:nvSpPr>
-        <p:spPr>
-          <a:xfrm>
-            <a:off x="1451579" y="2015732"/>
-            <a:ext cx="9603275" cy="3450613"/>
-          </a:xfrm>
-          <a:prstGeom prst="rect">
-            <a:avLst/>
-          </a:prstGeom>
-        </p:spPr>
-        <p:txBody>
-          <a:bodyPr vert="horz" lIns="91440" tIns="45720" rIns="91440" bIns="45720" rtlCol="0">
-            <a:normAutofit/>
-          </a:bodyPr>
-          <a:lstStyle/>
-          <a:p>
-            <a:pPr lvl="0"/>
-            <a:r>
-              <a:rPr lang="en-US"/>
-              <a:t>Click to edit Master text styles</a:t>
-            </a:r>
-          </a:p>
-          <a:p>
-            <a:pPr lvl="1"/>
-            <a:r>
-              <a:rPr lang="en-US"/>
-              <a:t>Second level</a:t>
-            </a:r>
-          </a:p>
-          <a:p>
-            <a:pPr lvl="2"/>
-            <a:r>
-              <a:rPr lang="en-US"/>
-              <a:t>Third level</a:t>
-            </a:r>
-          </a:p>
-          <a:p>
-            <a:pPr lvl="3"/>
-            <a:r>
-              <a:rPr lang="en-US"/>
-              <a:t>Fourth level</a:t>
-            </a:r>
-          </a:p>
-          <a:p>
-            <a:pPr lvl="4"/>
-            <a:r>
-              <a:rPr lang="en-US"/>
-              <a:t>Fifth level</a:t>
-            </a:r>
-            <a:endParaRPr lang="en-US" dirty="0"/>
-          </a:p>
-        </p:txBody>
-      </p:sp>
-      <p:sp>
-        <p:nvSpPr>
-          <p:cNvPr id="4" name="Date Placeholder 3"/>
-          <p:cNvSpPr>
-            <a:spLocks noGrp="1"/>
-          </p:cNvSpPr>
-          <p:nvPr>
-            <p:ph type="dt" sz="half" idx="2"/>
-          </p:nvPr>
-        </p:nvSpPr>
-        <p:spPr>
-          <a:xfrm>
-            <a:off x="7554138" y="330370"/>
-            <a:ext cx="3500715" cy="309201"/>
-          </a:xfrm>
-          <a:prstGeom prst="rect">
-            <a:avLst/>
-          </a:prstGeom>
-        </p:spPr>
-        <p:txBody>
-          <a:bodyPr vert="horz" lIns="91440" tIns="45720" rIns="91440" bIns="45720" rtlCol="0" anchor="ctr"/>
-          <a:lstStyle>
-            <a:lvl1pPr algn="r">
-              <a:defRPr sz="1000">
-                <a:solidFill>
-                  <a:schemeClr val="tx1">
-                    <a:tint val="75000"/>
-                  </a:schemeClr>
-                </a:solidFill>
-              </a:defRPr>
-            </a:lvl1pPr>
-          </a:lstStyle>
-          <a:p>
-            <a:fld id="{96DFF08F-DC6B-4601-B491-B0F83F6DD2DA}" type="datetimeFigureOut">
-              <a:rPr lang="en-US" smtClean="0"/>
-              <a:pPr/>
-              <a:t>9/26/2022</a:t>
-            </a:fld>
-            <a:endParaRPr lang="en-US" dirty="0"/>
-          </a:p>
-        </p:txBody>
-      </p:sp>
-      <p:sp>
-        <p:nvSpPr>
-          <p:cNvPr id="5" name="Footer Placeholder 4"/>
-          <p:cNvSpPr>
-            <a:spLocks noGrp="1"/>
-          </p:cNvSpPr>
-          <p:nvPr>
-            <p:ph type="ftr" sz="quarter" idx="3"/>
-          </p:nvPr>
-        </p:nvSpPr>
-        <p:spPr>
-          <a:xfrm>
-            <a:off x="1451579" y="329307"/>
-            <a:ext cx="5938836" cy="309201"/>
-          </a:xfrm>
-          <a:prstGeom prst="rect">
-            <a:avLst/>
-          </a:prstGeom>
-        </p:spPr>
-        <p:txBody>
-          <a:bodyPr vert="horz" lIns="91440" tIns="45720" rIns="91440" bIns="45720" rtlCol="0" anchor="ctr"/>
-          <a:lstStyle>
-            <a:lvl1pPr algn="l">
-              <a:defRPr sz="1000">
-                <a:solidFill>
-                  <a:schemeClr val="tx1">
-                    <a:tint val="75000"/>
-                  </a:schemeClr>
-                </a:solidFill>
-              </a:defRPr>
-            </a:lvl1pPr>
-          </a:lstStyle>
-          <a:p>
-            <a:endParaRPr lang="en-US" dirty="0"/>
-          </a:p>
-        </p:txBody>
-      </p:sp>
-      <p:sp>
-        <p:nvSpPr>
-          <p:cNvPr id="6" name="Slide Number Placeholder 5"/>
-          <p:cNvSpPr>
-            <a:spLocks noGrp="1"/>
-          </p:cNvSpPr>
-          <p:nvPr>
-            <p:ph type="sldNum" sz="quarter" idx="4"/>
-          </p:nvPr>
-        </p:nvSpPr>
-        <p:spPr>
-          <a:xfrm>
-            <a:off x="480060" y="798973"/>
-            <a:ext cx="811019" cy="503578"/>
-          </a:xfrm>
-          <a:prstGeom prst="rect">
-            <a:avLst/>
-          </a:prstGeom>
-        </p:spPr>
-        <p:txBody>
-          <a:bodyPr vert="horz" lIns="91440" tIns="45720" rIns="91440" bIns="45720" rtlCol="0" anchor="t"/>
-          <a:lstStyle>
-            <a:lvl1pPr algn="r">
-              <a:defRPr sz="2800">
-                <a:solidFill>
-                  <a:schemeClr val="accent1"/>
-                </a:solidFill>
-              </a:defRPr>
-            </a:lvl1pPr>
-          </a:lstStyle>
-          <a:p>
-            <a:fld id="{4FAB73BC-B049-4115-A692-8D63A059BFB8}" type="slidenum">
-              <a:rPr lang="en-US" smtClean="0"/>
-              <a:pPr/>
-              <a:t>‹#›</a:t>
-            </a:fld>
-            <a:endParaRPr lang="en-US" dirty="0"/>
-          </a:p>
-        </p:txBody>
-      </p:sp>
       <p:cxnSp>
         <p:nvCxnSpPr>
-          <p:cNvPr id="10" name="Straight Connector 9"/>
+          <p:cNvPr id="14" name="Straight Connector 13"/>
           <p:cNvCxnSpPr/>
           <p:nvPr/>
         </p:nvCxnSpPr>
         <p:spPr>
           <a:xfrm>
-            <a:off x="0" y="6128413"/>
+            <a:off x="0" y="6121269"/>
             <a:ext cx="12192000" cy="0"/>
           </a:xfrm>
           <a:prstGeom prst="line">
@@ -3389,26 +3729,239 @@
           </a:fontRef>
         </p:style>
       </p:cxnSp>
+      <p:sp>
+        <p:nvSpPr>
+          <p:cNvPr id="2" name="Title Placeholder 1"/>
+          <p:cNvSpPr>
+            <a:spLocks noGrp="1"/>
+          </p:cNvSpPr>
+          <p:nvPr>
+            <p:ph type="title"/>
+          </p:nvPr>
+        </p:nvSpPr>
+        <p:spPr>
+          <a:xfrm>
+            <a:off x="1130270" y="953324"/>
+            <a:ext cx="9603275" cy="1049235"/>
+          </a:xfrm>
+          <a:prstGeom prst="rect">
+            <a:avLst/>
+          </a:prstGeom>
+        </p:spPr>
+        <p:txBody>
+          <a:bodyPr vert="horz" lIns="91440" tIns="45720" rIns="91440" bIns="45720" rtlCol="0" anchor="t">
+            <a:normAutofit/>
+          </a:bodyPr>
+          <a:lstStyle/>
+          <a:p>
+            <a:r>
+              <a:rPr lang="en-US" smtClean="0"/>
+              <a:t>Click to edit Master title style</a:t>
+            </a:r>
+            <a:endParaRPr lang="en-US" dirty="0"/>
+          </a:p>
+        </p:txBody>
+      </p:sp>
+      <p:sp>
+        <p:nvSpPr>
+          <p:cNvPr id="3" name="Text Placeholder 2"/>
+          <p:cNvSpPr>
+            <a:spLocks noGrp="1"/>
+          </p:cNvSpPr>
+          <p:nvPr>
+            <p:ph type="body" idx="1"/>
+          </p:nvPr>
+        </p:nvSpPr>
+        <p:spPr>
+          <a:xfrm>
+            <a:off x="1130270" y="2171769"/>
+            <a:ext cx="9603275" cy="3294576"/>
+          </a:xfrm>
+          <a:prstGeom prst="rect">
+            <a:avLst/>
+          </a:prstGeom>
+        </p:spPr>
+        <p:txBody>
+          <a:bodyPr vert="horz" lIns="91440" tIns="45720" rIns="91440" bIns="45720" rtlCol="0">
+            <a:normAutofit/>
+          </a:bodyPr>
+          <a:lstStyle/>
+          <a:p>
+            <a:pPr lvl="0"/>
+            <a:r>
+              <a:rPr lang="en-US" dirty="0"/>
+              <a:t>Edit Master text styles</a:t>
+            </a:r>
+          </a:p>
+          <a:p>
+            <a:pPr lvl="1"/>
+            <a:r>
+              <a:rPr lang="en-US" dirty="0"/>
+              <a:t>Second level</a:t>
+            </a:r>
+          </a:p>
+          <a:p>
+            <a:pPr lvl="2"/>
+            <a:r>
+              <a:rPr lang="en-US" dirty="0"/>
+              <a:t>Third level</a:t>
+            </a:r>
+          </a:p>
+          <a:p>
+            <a:pPr lvl="3"/>
+            <a:r>
+              <a:rPr lang="en-US" dirty="0"/>
+              <a:t>Fourth level</a:t>
+            </a:r>
+          </a:p>
+          <a:p>
+            <a:pPr lvl="4"/>
+            <a:r>
+              <a:rPr lang="en-US" dirty="0"/>
+              <a:t>Fifth level</a:t>
+            </a:r>
+          </a:p>
+        </p:txBody>
+      </p:sp>
+      <p:sp>
+        <p:nvSpPr>
+          <p:cNvPr id="4" name="Date Placeholder 3"/>
+          <p:cNvSpPr>
+            <a:spLocks noGrp="1"/>
+          </p:cNvSpPr>
+          <p:nvPr>
+            <p:ph type="dt" sz="half" idx="2"/>
+          </p:nvPr>
+        </p:nvSpPr>
+        <p:spPr>
+          <a:xfrm>
+            <a:off x="7232830" y="330370"/>
+            <a:ext cx="2515396" cy="309201"/>
+          </a:xfrm>
+          <a:prstGeom prst="rect">
+            <a:avLst/>
+          </a:prstGeom>
+        </p:spPr>
+        <p:txBody>
+          <a:bodyPr vert="horz" lIns="91440" tIns="45720" rIns="91440" bIns="45720" rtlCol="0" anchor="ctr"/>
+          <a:lstStyle>
+            <a:lvl1pPr algn="r">
+              <a:defRPr sz="1000">
+                <a:solidFill>
+                  <a:schemeClr val="tx1">
+                    <a:tint val="75000"/>
+                  </a:schemeClr>
+                </a:solidFill>
+              </a:defRPr>
+            </a:lvl1pPr>
+          </a:lstStyle>
+          <a:p>
+            <a:fld id="{96DFF08F-DC6B-4601-B491-B0F83F6DD2DA}" type="datetimeFigureOut">
+              <a:rPr lang="en-US" smtClean="0"/>
+              <a:pPr/>
+              <a:t>9/26/2022</a:t>
+            </a:fld>
+            <a:endParaRPr lang="en-US" dirty="0"/>
+          </a:p>
+        </p:txBody>
+      </p:sp>
+      <p:sp>
+        <p:nvSpPr>
+          <p:cNvPr id="5" name="Footer Placeholder 4"/>
+          <p:cNvSpPr>
+            <a:spLocks noGrp="1"/>
+          </p:cNvSpPr>
+          <p:nvPr>
+            <p:ph type="ftr" sz="quarter" idx="3"/>
+          </p:nvPr>
+        </p:nvSpPr>
+        <p:spPr>
+          <a:xfrm>
+            <a:off x="1130270" y="329307"/>
+            <a:ext cx="5938836" cy="309201"/>
+          </a:xfrm>
+          <a:prstGeom prst="rect">
+            <a:avLst/>
+          </a:prstGeom>
+        </p:spPr>
+        <p:txBody>
+          <a:bodyPr vert="horz" lIns="91440" tIns="45720" rIns="91440" bIns="45720" rtlCol="0" anchor="ctr"/>
+          <a:lstStyle>
+            <a:lvl1pPr algn="l">
+              <a:defRPr sz="1000">
+                <a:solidFill>
+                  <a:schemeClr val="tx1">
+                    <a:tint val="75000"/>
+                  </a:schemeClr>
+                </a:solidFill>
+              </a:defRPr>
+            </a:lvl1pPr>
+          </a:lstStyle>
+          <a:p>
+            <a:endParaRPr lang="en-US" dirty="0"/>
+          </a:p>
+        </p:txBody>
+      </p:sp>
+      <p:sp>
+        <p:nvSpPr>
+          <p:cNvPr id="6" name="Slide Number Placeholder 5"/>
+          <p:cNvSpPr>
+            <a:spLocks noGrp="1"/>
+          </p:cNvSpPr>
+          <p:nvPr>
+            <p:ph type="sldNum" sz="quarter" idx="4"/>
+          </p:nvPr>
+        </p:nvSpPr>
+        <p:spPr>
+          <a:xfrm>
+            <a:off x="9918076" y="137408"/>
+            <a:ext cx="811019" cy="503578"/>
+          </a:xfrm>
+          <a:prstGeom prst="rect">
+            <a:avLst/>
+          </a:prstGeom>
+        </p:spPr>
+        <p:txBody>
+          <a:bodyPr vert="horz" lIns="91440" tIns="45720" rIns="91440" bIns="45720" rtlCol="0" anchor="t"/>
+          <a:lstStyle>
+            <a:lvl1pPr algn="r">
+              <a:defRPr sz="2800">
+                <a:solidFill>
+                  <a:schemeClr val="accent1"/>
+                </a:solidFill>
+              </a:defRPr>
+            </a:lvl1pPr>
+          </a:lstStyle>
+          <a:p>
+            <a:fld id="{4FAB73BC-B049-4115-A692-8D63A059BFB8}" type="slidenum">
+              <a:rPr lang="en-US" smtClean="0"/>
+              <a:pPr/>
+              <a:t>‹#›</a:t>
+            </a:fld>
+            <a:endParaRPr lang="en-US" dirty="0"/>
+          </a:p>
+        </p:txBody>
+      </p:sp>
     </p:spTree>
     <p:extLst>
       <p:ext uri="{BB962C8B-B14F-4D97-AF65-F5344CB8AC3E}">
-        <p14:creationId xmlns:p14="http://schemas.microsoft.com/office/powerpoint/2010/main" xmlns="" val="2814082371"/>
+        <p14:creationId xmlns:p14="http://schemas.microsoft.com/office/powerpoint/2010/main" val="2922020373"/>
       </p:ext>
     </p:extLst>
   </p:cSld>
   <p:clrMap bg1="lt1" tx1="dk1" bg2="lt2" tx2="dk2" accent1="accent1" accent2="accent2" accent3="accent3" accent4="accent4" accent5="accent5" accent6="accent6" hlink="hlink" folHlink="folHlink"/>
   <p:sldLayoutIdLst>
-    <p:sldLayoutId id="2147483733" r:id="rId1"/>
-    <p:sldLayoutId id="2147483734" r:id="rId2"/>
-    <p:sldLayoutId id="2147483735" r:id="rId3"/>
-    <p:sldLayoutId id="2147483736" r:id="rId4"/>
-    <p:sldLayoutId id="2147483737" r:id="rId5"/>
-    <p:sldLayoutId id="2147483738" r:id="rId6"/>
-    <p:sldLayoutId id="2147483739" r:id="rId7"/>
-    <p:sldLayoutId id="2147483740" r:id="rId8"/>
-    <p:sldLayoutId id="2147483741" r:id="rId9"/>
-    <p:sldLayoutId id="2147483742" r:id="rId10"/>
-    <p:sldLayoutId id="2147483743" r:id="rId11"/>
+    <p:sldLayoutId id="2147483745" r:id="rId1"/>
+    <p:sldLayoutId id="2147483746" r:id="rId2"/>
+    <p:sldLayoutId id="2147483747" r:id="rId3"/>
+    <p:sldLayoutId id="2147483748" r:id="rId4"/>
+    <p:sldLayoutId id="2147483749" r:id="rId5"/>
+    <p:sldLayoutId id="2147483750" r:id="rId6"/>
+    <p:sldLayoutId id="2147483751" r:id="rId7"/>
+    <p:sldLayoutId id="2147483752" r:id="rId8"/>
+    <p:sldLayoutId id="2147483753" r:id="rId9"/>
+    <p:sldLayoutId id="2147483754" r:id="rId10"/>
+    <p:sldLayoutId id="2147483755" r:id="rId11"/>
   </p:sldLayoutIdLst>
   <p:transition spd="slow">
     <p:randomBar dir="vert"/>
@@ -3418,6 +3971,13 @@
       </p:stSnd>
     </p:sndAc>
   </p:transition>
+  <p:timing>
+    <p:tnLst>
+      <p:par>
+        <p:cTn id="1" dur="indefinite" restart="never" nodeType="tmRoot"/>
+      </p:par>
+    </p:tnLst>
+  </p:timing>
   <p:txStyles>
     <p:titleStyle>
       <a:lvl1pPr algn="l" defTabSz="914400" rtl="0" eaLnBrk="1" latinLnBrk="0" hangingPunct="1">
@@ -3428,7 +3988,7 @@
           <a:spcPct val="0"/>
         </a:spcBef>
         <a:buNone/>
-        <a:defRPr sz="3200" b="0" i="0" kern="1200" cap="all">
+        <a:defRPr sz="3200" b="0" i="0" kern="1200" cap="none">
           <a:solidFill>
             <a:schemeClr val="tx1"/>
           </a:solidFill>
@@ -3769,7 +4329,7 @@
           <p:cNvPr id="2" name="Title 1">
             <a:extLst>
               <a:ext uri="{FF2B5EF4-FFF2-40B4-BE49-F238E27FC236}">
-                <a16:creationId xmlns:a16="http://schemas.microsoft.com/office/drawing/2014/main" xmlns="" id="{665F9638-5090-4B89-9EF9-4323E91E3F5C}"/>
+                <a16:creationId xmlns:a16="http://schemas.microsoft.com/office/drawing/2014/main" id="{665F9638-5090-4B89-9EF9-4323E91E3F5C}"/>
               </a:ext>
             </a:extLst>
           </p:cNvPr>
@@ -3798,7 +4358,7 @@
           <p:cNvPr id="3" name="Subtitle 2">
             <a:extLst>
               <a:ext uri="{FF2B5EF4-FFF2-40B4-BE49-F238E27FC236}">
-                <a16:creationId xmlns:a16="http://schemas.microsoft.com/office/drawing/2014/main" xmlns="" id="{40D07FD7-6AD8-4728-8C5F-AF8F89A86B45}"/>
+                <a16:creationId xmlns:a16="http://schemas.microsoft.com/office/drawing/2014/main" id="{40D07FD7-6AD8-4728-8C5F-AF8F89A86B45}"/>
               </a:ext>
             </a:extLst>
           </p:cNvPr>
@@ -3836,66 +4396,66 @@
             </a:r>
             <a:r>
               <a:rPr lang="en-US" sz="2000" dirty="0" smtClean="0"/>
-              <a:t> </a:t>
-            </a:r>
-            <a:r>
-              <a:rPr lang="en-US" sz="2000" dirty="0" smtClean="0"/>
-              <a:t>     </a:t>
+              <a:t>       </a:t>
+            </a:r>
+            <a:r>
+              <a:rPr lang="en-US" sz="2000" dirty="0"/>
+              <a:t>Ajinkya </a:t>
+            </a:r>
+            <a:r>
+              <a:rPr lang="en-US" sz="2000" dirty="0" err="1"/>
+              <a:t>hatwar</a:t>
+            </a:r>
+            <a:r>
+              <a:rPr lang="en-US" sz="2000" dirty="0"/>
+              <a:t>(220343120006)</a:t>
+            </a:r>
+          </a:p>
+          <a:p>
+            <a:r>
+              <a:rPr lang="en-US" sz="2000" dirty="0"/>
+              <a:t>                                              </a:t>
             </a:r>
             <a:r>
               <a:rPr lang="en-US" sz="2000" dirty="0" smtClean="0"/>
               <a:t> </a:t>
             </a:r>
             <a:r>
+              <a:rPr lang="en-US" sz="2000"/>
+              <a:t>P</a:t>
+            </a:r>
+            <a:r>
+              <a:rPr lang="en-US" sz="2000" smtClean="0"/>
+              <a:t>unam</a:t>
+            </a:r>
+            <a:r>
+              <a:rPr lang="en-US" sz="2000" dirty="0" smtClean="0"/>
+              <a:t> </a:t>
+            </a:r>
+            <a:r>
+              <a:rPr lang="en-US" sz="2000" dirty="0" err="1"/>
+              <a:t>londhe</a:t>
+            </a:r>
+            <a:r>
+              <a:rPr lang="en-US" sz="2000" dirty="0"/>
+              <a:t> (220343120054)</a:t>
+            </a:r>
+          </a:p>
+          <a:p>
+            <a:r>
+              <a:rPr lang="en-US" sz="2000" dirty="0"/>
+              <a:t>                                           </a:t>
+            </a:r>
+            <a:r>
+              <a:rPr lang="en-US" sz="2000" dirty="0" smtClean="0"/>
+              <a:t>   </a:t>
+            </a:r>
+            <a:r>
               <a:rPr lang="en-US" sz="2000" dirty="0"/>
               <a:t>Ajinkya </a:t>
             </a:r>
             <a:r>
               <a:rPr lang="en-US" sz="2000" dirty="0" err="1"/>
-              <a:t>hatwar</a:t>
-            </a:r>
-            <a:r>
-              <a:rPr lang="en-US" sz="2000" dirty="0"/>
-              <a:t>(220343120006)</a:t>
-            </a:r>
-          </a:p>
-          <a:p>
-            <a:r>
-              <a:rPr lang="en-US" sz="2000" dirty="0"/>
-              <a:t>                                              </a:t>
-            </a:r>
-            <a:r>
-              <a:rPr lang="en-US" sz="2000" dirty="0" err="1"/>
-              <a:t>punam</a:t>
-            </a:r>
-            <a:r>
-              <a:rPr lang="en-US" sz="2000" dirty="0"/>
-              <a:t> </a:t>
-            </a:r>
-            <a:r>
-              <a:rPr lang="en-US" sz="2000" dirty="0" err="1"/>
-              <a:t>londhe</a:t>
-            </a:r>
-            <a:r>
-              <a:rPr lang="en-US" sz="2000" dirty="0"/>
-              <a:t> (220343120054)</a:t>
-            </a:r>
-          </a:p>
-          <a:p>
-            <a:r>
-              <a:rPr lang="en-US" sz="2000" dirty="0"/>
-              <a:t>                                           </a:t>
-            </a:r>
-            <a:r>
-              <a:rPr lang="en-US" sz="2000" dirty="0" smtClean="0"/>
-              <a:t>   </a:t>
-            </a:r>
-            <a:r>
-              <a:rPr lang="en-US" sz="2000" dirty="0"/>
-              <a:t>Ajinkya </a:t>
-            </a:r>
-            <a:r>
-              <a:rPr lang="en-US" sz="2000" dirty="0" err="1"/>
               <a:t>bhutkar</a:t>
             </a:r>
             <a:r>
@@ -3908,13 +4468,37 @@
               <a:rPr lang="en-US" sz="2000" dirty="0"/>
               <a:t>      Project Guide –     Mrs. Harshita Maheshwari</a:t>
             </a:r>
+          </a:p>
+        </p:txBody>
+      </p:sp>
+      <p:sp>
+        <p:nvSpPr>
+          <p:cNvPr id="4" name="Slide Number Placeholder 3"/>
+          <p:cNvSpPr>
+            <a:spLocks noGrp="1"/>
+          </p:cNvSpPr>
+          <p:nvPr>
+            <p:ph type="sldNum" sz="quarter" idx="12"/>
+          </p:nvPr>
+        </p:nvSpPr>
+        <p:spPr/>
+        <p:txBody>
+          <a:bodyPr/>
+          <a:lstStyle/>
+          <a:p>
+            <a:fld id="{4FAB73BC-B049-4115-A692-8D63A059BFB8}" type="slidenum">
+              <a:rPr lang="en-US" smtClean="0"/>
+              <a:pPr/>
+              <a:t>1</a:t>
+            </a:fld>
+            <a:endParaRPr lang="en-US" dirty="0"/>
           </a:p>
         </p:txBody>
       </p:sp>
     </p:spTree>
     <p:extLst>
       <p:ext uri="{BB962C8B-B14F-4D97-AF65-F5344CB8AC3E}">
-        <p14:creationId xmlns:p14="http://schemas.microsoft.com/office/powerpoint/2010/main" xmlns="" val="3066581575"/>
+        <p14:creationId xmlns:p14="http://schemas.microsoft.com/office/powerpoint/2010/main" val="3066581575"/>
       </p:ext>
     </p:extLst>
   </p:cSld>
@@ -3991,15 +4575,14 @@
         </p:nvPicPr>
         <p:blipFill>
           <a:blip r:embed="rId3"/>
-          <a:srcRect/>
           <a:stretch>
             <a:fillRect/>
           </a:stretch>
         </p:blipFill>
         <p:spPr bwMode="auto">
           <a:xfrm>
-            <a:off x="3941084" y="2016125"/>
-            <a:ext cx="4624157" cy="3449638"/>
+            <a:off x="3460118" y="1828800"/>
+            <a:ext cx="4415613" cy="3294063"/>
           </a:xfrm>
           <a:prstGeom prst="rect">
             <a:avLst/>
@@ -4014,6 +4597,30 @@
           <a:effectLst/>
         </p:spPr>
       </p:pic>
+      <p:sp>
+        <p:nvSpPr>
+          <p:cNvPr id="3" name="Slide Number Placeholder 2"/>
+          <p:cNvSpPr>
+            <a:spLocks noGrp="1"/>
+          </p:cNvSpPr>
+          <p:nvPr>
+            <p:ph type="sldNum" sz="quarter" idx="12"/>
+          </p:nvPr>
+        </p:nvSpPr>
+        <p:spPr/>
+        <p:txBody>
+          <a:bodyPr/>
+          <a:lstStyle/>
+          <a:p>
+            <a:fld id="{4FAB73BC-B049-4115-A692-8D63A059BFB8}" type="slidenum">
+              <a:rPr lang="en-US" smtClean="0"/>
+              <a:pPr/>
+              <a:t>10</a:t>
+            </a:fld>
+            <a:endParaRPr lang="en-US" dirty="0"/>
+          </a:p>
+        </p:txBody>
+      </p:sp>
     </p:spTree>
   </p:cSld>
   <p:clrMapOvr>
@@ -4027,6 +4634,13 @@
       </p:stSnd>
     </p:sndAc>
   </p:transition>
+  <p:timing>
+    <p:tnLst>
+      <p:par>
+        <p:cTn id="1" dur="indefinite" restart="never" nodeType="tmRoot"/>
+      </p:par>
+    </p:tnLst>
+  </p:timing>
 </p:sld>
 </file>
 
@@ -4082,15 +4696,14 @@
         </p:nvPicPr>
         <p:blipFill>
           <a:blip r:embed="rId3"/>
-          <a:srcRect/>
           <a:stretch>
             <a:fillRect/>
           </a:stretch>
         </p:blipFill>
         <p:spPr bwMode="auto">
           <a:xfrm>
-            <a:off x="3093572" y="2016125"/>
-            <a:ext cx="6319181" cy="3449638"/>
+            <a:off x="2914598" y="2171700"/>
+            <a:ext cx="6034191" cy="3294063"/>
           </a:xfrm>
           <a:prstGeom prst="rect">
             <a:avLst/>
@@ -4105,6 +4718,30 @@
           <a:effectLst/>
         </p:spPr>
       </p:pic>
+      <p:sp>
+        <p:nvSpPr>
+          <p:cNvPr id="3" name="Slide Number Placeholder 2"/>
+          <p:cNvSpPr>
+            <a:spLocks noGrp="1"/>
+          </p:cNvSpPr>
+          <p:nvPr>
+            <p:ph type="sldNum" sz="quarter" idx="12"/>
+          </p:nvPr>
+        </p:nvSpPr>
+        <p:spPr/>
+        <p:txBody>
+          <a:bodyPr/>
+          <a:lstStyle/>
+          <a:p>
+            <a:fld id="{4FAB73BC-B049-4115-A692-8D63A059BFB8}" type="slidenum">
+              <a:rPr lang="en-US" smtClean="0"/>
+              <a:pPr/>
+              <a:t>11</a:t>
+            </a:fld>
+            <a:endParaRPr lang="en-US" dirty="0"/>
+          </a:p>
+        </p:txBody>
+      </p:sp>
     </p:spTree>
   </p:cSld>
   <p:clrMapOvr>
@@ -4118,6 +4755,13 @@
       </p:stSnd>
     </p:sndAc>
   </p:transition>
+  <p:timing>
+    <p:tnLst>
+      <p:par>
+        <p:cTn id="1" dur="indefinite" restart="never" nodeType="tmRoot"/>
+      </p:par>
+    </p:tnLst>
+  </p:timing>
 </p:sld>
 </file>
 
@@ -4169,15 +4813,14 @@
         </p:nvPicPr>
         <p:blipFill>
           <a:blip r:embed="rId3"/>
-          <a:srcRect/>
           <a:stretch>
             <a:fillRect/>
           </a:stretch>
         </p:blipFill>
         <p:spPr bwMode="auto">
           <a:xfrm>
-            <a:off x="2760207" y="2016125"/>
-            <a:ext cx="6985910" cy="3449638"/>
+            <a:off x="2596267" y="2171700"/>
+            <a:ext cx="6670853" cy="3294063"/>
           </a:xfrm>
           <a:prstGeom prst="rect">
             <a:avLst/>
@@ -4192,6 +4835,30 @@
           <a:effectLst/>
         </p:spPr>
       </p:pic>
+      <p:sp>
+        <p:nvSpPr>
+          <p:cNvPr id="3" name="Slide Number Placeholder 2"/>
+          <p:cNvSpPr>
+            <a:spLocks noGrp="1"/>
+          </p:cNvSpPr>
+          <p:nvPr>
+            <p:ph type="sldNum" sz="quarter" idx="12"/>
+          </p:nvPr>
+        </p:nvSpPr>
+        <p:spPr/>
+        <p:txBody>
+          <a:bodyPr/>
+          <a:lstStyle/>
+          <a:p>
+            <a:fld id="{4FAB73BC-B049-4115-A692-8D63A059BFB8}" type="slidenum">
+              <a:rPr lang="en-US" smtClean="0"/>
+              <a:pPr/>
+              <a:t>12</a:t>
+            </a:fld>
+            <a:endParaRPr lang="en-US" dirty="0"/>
+          </a:p>
+        </p:txBody>
+      </p:sp>
     </p:spTree>
   </p:cSld>
   <p:clrMapOvr>
@@ -4205,6 +4872,13 @@
       </p:stSnd>
     </p:sndAc>
   </p:transition>
+  <p:timing>
+    <p:tnLst>
+      <p:par>
+        <p:cTn id="1" dur="indefinite" restart="never" nodeType="tmRoot"/>
+      </p:par>
+    </p:tnLst>
+  </p:timing>
 </p:sld>
 </file>
 
@@ -4230,7 +4904,7 @@
           <p:cNvPr id="2" name="Title 1">
             <a:extLst>
               <a:ext uri="{FF2B5EF4-FFF2-40B4-BE49-F238E27FC236}">
-                <a16:creationId xmlns:a16="http://schemas.microsoft.com/office/drawing/2014/main" xmlns="" id="{483AD71A-5702-452E-B29C-575602C24FB6}"/>
+                <a16:creationId xmlns:a16="http://schemas.microsoft.com/office/drawing/2014/main" id="{483AD71A-5702-452E-B29C-575602C24FB6}"/>
               </a:ext>
             </a:extLst>
           </p:cNvPr>
@@ -4259,7 +4933,7 @@
           <p:cNvPr id="3" name="Content Placeholder 2">
             <a:extLst>
               <a:ext uri="{FF2B5EF4-FFF2-40B4-BE49-F238E27FC236}">
-                <a16:creationId xmlns:a16="http://schemas.microsoft.com/office/drawing/2014/main" xmlns="" id="{8BC16F78-2F81-46DE-B1AD-64642E273ADB}"/>
+                <a16:creationId xmlns:a16="http://schemas.microsoft.com/office/drawing/2014/main" id="{8BC16F78-2F81-46DE-B1AD-64642E273ADB}"/>
               </a:ext>
             </a:extLst>
           </p:cNvPr>
@@ -4273,7 +4947,7 @@
         <p:spPr/>
         <p:txBody>
           <a:bodyPr>
-            <a:normAutofit fontScale="92500" lnSpcReduction="20000"/>
+            <a:normAutofit fontScale="85000" lnSpcReduction="10000"/>
           </a:bodyPr>
           <a:lstStyle/>
           <a:p>
@@ -4375,13 +5049,37 @@
           </a:p>
           <a:p>
             <a:endParaRPr lang="en-IN" dirty="0"/>
+          </a:p>
+        </p:txBody>
+      </p:sp>
+      <p:sp>
+        <p:nvSpPr>
+          <p:cNvPr id="4" name="Slide Number Placeholder 3"/>
+          <p:cNvSpPr>
+            <a:spLocks noGrp="1"/>
+          </p:cNvSpPr>
+          <p:nvPr>
+            <p:ph type="sldNum" sz="quarter" idx="12"/>
+          </p:nvPr>
+        </p:nvSpPr>
+        <p:spPr/>
+        <p:txBody>
+          <a:bodyPr/>
+          <a:lstStyle/>
+          <a:p>
+            <a:fld id="{4FAB73BC-B049-4115-A692-8D63A059BFB8}" type="slidenum">
+              <a:rPr lang="en-US" smtClean="0"/>
+              <a:pPr/>
+              <a:t>13</a:t>
+            </a:fld>
+            <a:endParaRPr lang="en-US" dirty="0"/>
           </a:p>
         </p:txBody>
       </p:sp>
     </p:spTree>
     <p:extLst>
       <p:ext uri="{BB962C8B-B14F-4D97-AF65-F5344CB8AC3E}">
-        <p14:creationId xmlns:p14="http://schemas.microsoft.com/office/powerpoint/2010/main" xmlns="" val="1102456731"/>
+        <p14:creationId xmlns:p14="http://schemas.microsoft.com/office/powerpoint/2010/main" val="1102456731"/>
       </p:ext>
     </p:extLst>
   </p:cSld>
@@ -4396,6 +5094,13 @@
       </p:stSnd>
     </p:sndAc>
   </p:transition>
+  <p:timing>
+    <p:tnLst>
+      <p:par>
+        <p:cTn id="1" dur="indefinite" restart="never" nodeType="tmRoot"/>
+      </p:par>
+    </p:tnLst>
+  </p:timing>
 </p:sld>
 </file>
 
@@ -4468,6 +5173,30 @@
           </a:p>
         </p:txBody>
       </p:sp>
+      <p:sp>
+        <p:nvSpPr>
+          <p:cNvPr id="4" name="Slide Number Placeholder 3"/>
+          <p:cNvSpPr>
+            <a:spLocks noGrp="1"/>
+          </p:cNvSpPr>
+          <p:nvPr>
+            <p:ph type="sldNum" sz="quarter" idx="12"/>
+          </p:nvPr>
+        </p:nvSpPr>
+        <p:spPr/>
+        <p:txBody>
+          <a:bodyPr/>
+          <a:lstStyle/>
+          <a:p>
+            <a:fld id="{4FAB73BC-B049-4115-A692-8D63A059BFB8}" type="slidenum">
+              <a:rPr lang="en-US" smtClean="0"/>
+              <a:pPr/>
+              <a:t>14</a:t>
+            </a:fld>
+            <a:endParaRPr lang="en-US" dirty="0"/>
+          </a:p>
+        </p:txBody>
+      </p:sp>
     </p:spTree>
   </p:cSld>
   <p:clrMapOvr>
@@ -4481,6 +5210,13 @@
       </p:stSnd>
     </p:sndAc>
   </p:transition>
+  <p:timing>
+    <p:tnLst>
+      <p:par>
+        <p:cTn id="1" dur="indefinite" restart="never" nodeType="tmRoot"/>
+      </p:par>
+    </p:tnLst>
+  </p:timing>
 </p:sld>
 </file>
 
@@ -4506,7 +5242,7 @@
           <p:cNvPr id="2" name="Title 1">
             <a:extLst>
               <a:ext uri="{FF2B5EF4-FFF2-40B4-BE49-F238E27FC236}">
-                <a16:creationId xmlns:a16="http://schemas.microsoft.com/office/drawing/2014/main" xmlns="" id="{ACFA11F5-ED2F-4D30-8559-B9E772FA7941}"/>
+                <a16:creationId xmlns:a16="http://schemas.microsoft.com/office/drawing/2014/main" id="{ACFA11F5-ED2F-4D30-8559-B9E772FA7941}"/>
               </a:ext>
             </a:extLst>
           </p:cNvPr>
@@ -4535,7 +5271,7 @@
           <p:cNvPr id="3" name="Content Placeholder 2">
             <a:extLst>
               <a:ext uri="{FF2B5EF4-FFF2-40B4-BE49-F238E27FC236}">
-                <a16:creationId xmlns:a16="http://schemas.microsoft.com/office/drawing/2014/main" xmlns="" id="{A52DBC1A-75CB-4B7D-A505-2E042E2C9F79}"/>
+                <a16:creationId xmlns:a16="http://schemas.microsoft.com/office/drawing/2014/main" id="{A52DBC1A-75CB-4B7D-A505-2E042E2C9F79}"/>
               </a:ext>
             </a:extLst>
           </p:cNvPr>
@@ -4549,7 +5285,7 @@
         <p:spPr/>
         <p:txBody>
           <a:bodyPr>
-            <a:normAutofit fontScale="92500"/>
+            <a:normAutofit fontScale="85000" lnSpcReduction="10000"/>
           </a:bodyPr>
           <a:lstStyle/>
           <a:p>
@@ -4639,10 +5375,34 @@
           </a:p>
         </p:txBody>
       </p:sp>
+      <p:sp>
+        <p:nvSpPr>
+          <p:cNvPr id="4" name="Slide Number Placeholder 3"/>
+          <p:cNvSpPr>
+            <a:spLocks noGrp="1"/>
+          </p:cNvSpPr>
+          <p:nvPr>
+            <p:ph type="sldNum" sz="quarter" idx="12"/>
+          </p:nvPr>
+        </p:nvSpPr>
+        <p:spPr/>
+        <p:txBody>
+          <a:bodyPr/>
+          <a:lstStyle/>
+          <a:p>
+            <a:fld id="{4FAB73BC-B049-4115-A692-8D63A059BFB8}" type="slidenum">
+              <a:rPr lang="en-US" smtClean="0"/>
+              <a:pPr/>
+              <a:t>15</a:t>
+            </a:fld>
+            <a:endParaRPr lang="en-US" dirty="0"/>
+          </a:p>
+        </p:txBody>
+      </p:sp>
     </p:spTree>
     <p:extLst>
       <p:ext uri="{BB962C8B-B14F-4D97-AF65-F5344CB8AC3E}">
-        <p14:creationId xmlns:p14="http://schemas.microsoft.com/office/powerpoint/2010/main" xmlns="" val="2748197821"/>
+        <p14:creationId xmlns:p14="http://schemas.microsoft.com/office/powerpoint/2010/main" val="2748197821"/>
       </p:ext>
     </p:extLst>
   </p:cSld>
@@ -4657,6 +5417,13 @@
       </p:stSnd>
     </p:sndAc>
   </p:transition>
+  <p:timing>
+    <p:tnLst>
+      <p:par>
+        <p:cTn id="1" dur="indefinite" restart="never" nodeType="tmRoot"/>
+      </p:par>
+    </p:tnLst>
+  </p:timing>
 </p:sld>
 </file>
 
@@ -4682,7 +5449,7 @@
           <p:cNvPr id="2" name="Title 1">
             <a:extLst>
               <a:ext uri="{FF2B5EF4-FFF2-40B4-BE49-F238E27FC236}">
-                <a16:creationId xmlns:a16="http://schemas.microsoft.com/office/drawing/2014/main" xmlns="" id="{F1FCF863-1C9B-4C0E-90A5-789C290C9ABA}"/>
+                <a16:creationId xmlns:a16="http://schemas.microsoft.com/office/drawing/2014/main" id="{F1FCF863-1C9B-4C0E-90A5-789C290C9ABA}"/>
               </a:ext>
             </a:extLst>
           </p:cNvPr>
@@ -4711,7 +5478,7 @@
           <p:cNvPr id="3" name="Content Placeholder 2">
             <a:extLst>
               <a:ext uri="{FF2B5EF4-FFF2-40B4-BE49-F238E27FC236}">
-                <a16:creationId xmlns:a16="http://schemas.microsoft.com/office/drawing/2014/main" xmlns="" id="{66B929B2-7EA5-4CCB-9F65-790C196C4264}"/>
+                <a16:creationId xmlns:a16="http://schemas.microsoft.com/office/drawing/2014/main" id="{66B929B2-7EA5-4CCB-9F65-790C196C4264}"/>
               </a:ext>
             </a:extLst>
           </p:cNvPr>
@@ -4783,10 +5550,34 @@
           </a:p>
         </p:txBody>
       </p:sp>
+      <p:sp>
+        <p:nvSpPr>
+          <p:cNvPr id="4" name="Slide Number Placeholder 3"/>
+          <p:cNvSpPr>
+            <a:spLocks noGrp="1"/>
+          </p:cNvSpPr>
+          <p:nvPr>
+            <p:ph type="sldNum" sz="quarter" idx="12"/>
+          </p:nvPr>
+        </p:nvSpPr>
+        <p:spPr/>
+        <p:txBody>
+          <a:bodyPr/>
+          <a:lstStyle/>
+          <a:p>
+            <a:fld id="{4FAB73BC-B049-4115-A692-8D63A059BFB8}" type="slidenum">
+              <a:rPr lang="en-US" smtClean="0"/>
+              <a:pPr/>
+              <a:t>16</a:t>
+            </a:fld>
+            <a:endParaRPr lang="en-US" dirty="0"/>
+          </a:p>
+        </p:txBody>
+      </p:sp>
     </p:spTree>
     <p:extLst>
       <p:ext uri="{BB962C8B-B14F-4D97-AF65-F5344CB8AC3E}">
-        <p14:creationId xmlns:p14="http://schemas.microsoft.com/office/powerpoint/2010/main" xmlns="" val="832555674"/>
+        <p14:creationId xmlns:p14="http://schemas.microsoft.com/office/powerpoint/2010/main" val="832555674"/>
       </p:ext>
     </p:extLst>
   </p:cSld>
@@ -4801,6 +5592,13 @@
       </p:stSnd>
     </p:sndAc>
   </p:transition>
+  <p:timing>
+    <p:tnLst>
+      <p:par>
+        <p:cTn id="1" dur="indefinite" restart="never" nodeType="tmRoot"/>
+      </p:par>
+    </p:tnLst>
+  </p:timing>
 </p:sld>
 </file>
 
@@ -4826,7 +5624,7 @@
           <p:cNvPr id="2" name="Title 1">
             <a:extLst>
               <a:ext uri="{FF2B5EF4-FFF2-40B4-BE49-F238E27FC236}">
-                <a16:creationId xmlns:a16="http://schemas.microsoft.com/office/drawing/2014/main" xmlns="" id="{E03B38AD-223A-43A6-A897-5E86A103719D}"/>
+                <a16:creationId xmlns:a16="http://schemas.microsoft.com/office/drawing/2014/main" id="{E03B38AD-223A-43A6-A897-5E86A103719D}"/>
               </a:ext>
             </a:extLst>
           </p:cNvPr>
@@ -4855,7 +5653,7 @@
           <p:cNvPr id="3" name="Content Placeholder 2">
             <a:extLst>
               <a:ext uri="{FF2B5EF4-FFF2-40B4-BE49-F238E27FC236}">
-                <a16:creationId xmlns:a16="http://schemas.microsoft.com/office/drawing/2014/main" xmlns="" id="{D08E0CB4-3D56-4B42-B0A5-8AAFAD21C254}"/>
+                <a16:creationId xmlns:a16="http://schemas.microsoft.com/office/drawing/2014/main" id="{D08E0CB4-3D56-4B42-B0A5-8AAFAD21C254}"/>
               </a:ext>
             </a:extLst>
           </p:cNvPr>
@@ -4909,24 +5707,44 @@
             </a:r>
             <a:r>
               <a:rPr lang="en-US" dirty="0" smtClean="0"/>
-              <a:t> </a:t>
-            </a:r>
-            <a:r>
-              <a:rPr lang="en-US" dirty="0" smtClean="0"/>
-              <a:t>Lastly </a:t>
+              <a:t> Lastly </a:t>
             </a:r>
             <a:r>
               <a:rPr lang="en-US" dirty="0"/>
               <a:t>it can be improved in future according to rising demand of users.  </a:t>
             </a:r>
             <a:endParaRPr lang="en-IN" dirty="0"/>
+          </a:p>
+        </p:txBody>
+      </p:sp>
+      <p:sp>
+        <p:nvSpPr>
+          <p:cNvPr id="4" name="Slide Number Placeholder 3"/>
+          <p:cNvSpPr>
+            <a:spLocks noGrp="1"/>
+          </p:cNvSpPr>
+          <p:nvPr>
+            <p:ph type="sldNum" sz="quarter" idx="12"/>
+          </p:nvPr>
+        </p:nvSpPr>
+        <p:spPr/>
+        <p:txBody>
+          <a:bodyPr/>
+          <a:lstStyle/>
+          <a:p>
+            <a:fld id="{4FAB73BC-B049-4115-A692-8D63A059BFB8}" type="slidenum">
+              <a:rPr lang="en-US" smtClean="0"/>
+              <a:pPr/>
+              <a:t>17</a:t>
+            </a:fld>
+            <a:endParaRPr lang="en-US" dirty="0"/>
           </a:p>
         </p:txBody>
       </p:sp>
     </p:spTree>
     <p:extLst>
       <p:ext uri="{BB962C8B-B14F-4D97-AF65-F5344CB8AC3E}">
-        <p14:creationId xmlns:p14="http://schemas.microsoft.com/office/powerpoint/2010/main" xmlns="" val="2812547242"/>
+        <p14:creationId xmlns:p14="http://schemas.microsoft.com/office/powerpoint/2010/main" val="2812547242"/>
       </p:ext>
     </p:extLst>
   </p:cSld>
@@ -4941,6 +5759,13 @@
       </p:stSnd>
     </p:sndAc>
   </p:transition>
+  <p:timing>
+    <p:tnLst>
+      <p:par>
+        <p:cTn id="1" dur="indefinite" restart="never" nodeType="tmRoot"/>
+      </p:par>
+    </p:tnLst>
+  </p:timing>
 </p:sld>
 </file>
 
@@ -4966,7 +5791,7 @@
           <p:cNvPr id="2" name="Title 1">
             <a:extLst>
               <a:ext uri="{FF2B5EF4-FFF2-40B4-BE49-F238E27FC236}">
-                <a16:creationId xmlns:a16="http://schemas.microsoft.com/office/drawing/2014/main" xmlns="" id="{35E03A18-ECBF-4BAA-8B09-8541D93BAA87}"/>
+                <a16:creationId xmlns:a16="http://schemas.microsoft.com/office/drawing/2014/main" id="{35E03A18-ECBF-4BAA-8B09-8541D93BAA87}"/>
               </a:ext>
             </a:extLst>
           </p:cNvPr>
@@ -4995,7 +5820,7 @@
           <p:cNvPr id="3" name="Content Placeholder 2">
             <a:extLst>
               <a:ext uri="{FF2B5EF4-FFF2-40B4-BE49-F238E27FC236}">
-                <a16:creationId xmlns:a16="http://schemas.microsoft.com/office/drawing/2014/main" xmlns="" id="{C537038B-6582-4F29-8598-19B1D99E3593}"/>
+                <a16:creationId xmlns:a16="http://schemas.microsoft.com/office/drawing/2014/main" id="{C537038B-6582-4F29-8598-19B1D99E3593}"/>
               </a:ext>
             </a:extLst>
           </p:cNvPr>
@@ -5008,7 +5833,9 @@
         </p:nvSpPr>
         <p:spPr/>
         <p:txBody>
-          <a:bodyPr/>
+          <a:bodyPr>
+            <a:normAutofit lnSpcReduction="10000"/>
+          </a:bodyPr>
           <a:lstStyle/>
           <a:p>
             <a:pPr marL="502920" indent="-457200">
@@ -5020,11 +5847,7 @@
             </a:r>
             <a:r>
               <a:rPr lang="en-US" dirty="0" smtClean="0"/>
-              <a:t>for</a:t>
-            </a:r>
-            <a:r>
-              <a:rPr lang="en-US" dirty="0" smtClean="0"/>
-              <a:t> </a:t>
+              <a:t>for </a:t>
             </a:r>
             <a:r>
               <a:rPr lang="en-US" dirty="0"/>
@@ -5088,10 +5911,34 @@
           </a:p>
         </p:txBody>
       </p:sp>
+      <p:sp>
+        <p:nvSpPr>
+          <p:cNvPr id="4" name="Slide Number Placeholder 3"/>
+          <p:cNvSpPr>
+            <a:spLocks noGrp="1"/>
+          </p:cNvSpPr>
+          <p:nvPr>
+            <p:ph type="sldNum" sz="quarter" idx="12"/>
+          </p:nvPr>
+        </p:nvSpPr>
+        <p:spPr/>
+        <p:txBody>
+          <a:bodyPr/>
+          <a:lstStyle/>
+          <a:p>
+            <a:fld id="{4FAB73BC-B049-4115-A692-8D63A059BFB8}" type="slidenum">
+              <a:rPr lang="en-US" smtClean="0"/>
+              <a:pPr/>
+              <a:t>18</a:t>
+            </a:fld>
+            <a:endParaRPr lang="en-US" dirty="0"/>
+          </a:p>
+        </p:txBody>
+      </p:sp>
     </p:spTree>
     <p:extLst>
       <p:ext uri="{BB962C8B-B14F-4D97-AF65-F5344CB8AC3E}">
-        <p14:creationId xmlns:p14="http://schemas.microsoft.com/office/powerpoint/2010/main" xmlns="" val="486071720"/>
+        <p14:creationId xmlns:p14="http://schemas.microsoft.com/office/powerpoint/2010/main" val="486071720"/>
       </p:ext>
     </p:extLst>
   </p:cSld>
@@ -5106,6 +5953,13 @@
       </p:stSnd>
     </p:sndAc>
   </p:transition>
+  <p:timing>
+    <p:tnLst>
+      <p:par>
+        <p:cTn id="1" dur="indefinite" restart="never" nodeType="tmRoot"/>
+      </p:par>
+    </p:tnLst>
+  </p:timing>
 </p:sld>
 </file>
 
@@ -5131,7 +5985,7 @@
           <p:cNvPr id="2" name="Title 1">
             <a:extLst>
               <a:ext uri="{FF2B5EF4-FFF2-40B4-BE49-F238E27FC236}">
-                <a16:creationId xmlns:a16="http://schemas.microsoft.com/office/drawing/2014/main" xmlns="" id="{97109972-F5F4-4F24-8298-092B8400805C}"/>
+                <a16:creationId xmlns:a16="http://schemas.microsoft.com/office/drawing/2014/main" id="{97109972-F5F4-4F24-8298-092B8400805C}"/>
               </a:ext>
             </a:extLst>
           </p:cNvPr>
@@ -5160,7 +6014,7 @@
           <p:cNvPr id="3" name="Content Placeholder 2">
             <a:extLst>
               <a:ext uri="{FF2B5EF4-FFF2-40B4-BE49-F238E27FC236}">
-                <a16:creationId xmlns:a16="http://schemas.microsoft.com/office/drawing/2014/main" xmlns="" id="{35099DB5-B32E-48C3-BC3A-DA44732620F8}"/>
+                <a16:creationId xmlns:a16="http://schemas.microsoft.com/office/drawing/2014/main" id="{35099DB5-B32E-48C3-BC3A-DA44732620F8}"/>
               </a:ext>
             </a:extLst>
           </p:cNvPr>
@@ -5174,7 +6028,7 @@
         <p:spPr/>
         <p:txBody>
           <a:bodyPr>
-            <a:normAutofit/>
+            <a:normAutofit lnSpcReduction="10000"/>
           </a:bodyPr>
           <a:lstStyle/>
           <a:p>
@@ -5224,7 +6078,7 @@
                 <a:hlinkClick r:id="rId4">
                   <a:extLst>
                     <a:ext uri="{A12FA001-AC4F-418D-AE19-62706E023703}">
-                      <ahyp:hlinkClr xmlns:ahyp="http://schemas.microsoft.com/office/drawing/2018/hyperlinkcolor" xmlns="" val="tx"/>
+                      <ahyp:hlinkClr xmlns="" xmlns:ahyp="http://schemas.microsoft.com/office/drawing/2018/hyperlinkcolor" val="tx"/>
                     </a:ext>
                   </a:extLst>
                 </a:hlinkClick>
@@ -5239,7 +6093,7 @@
                 <a:hlinkClick r:id="rId4">
                   <a:extLst>
                     <a:ext uri="{A12FA001-AC4F-418D-AE19-62706E023703}">
-                      <ahyp:hlinkClr xmlns:ahyp="http://schemas.microsoft.com/office/drawing/2018/hyperlinkcolor" xmlns="" val="tx"/>
+                      <ahyp:hlinkClr xmlns="" xmlns:ahyp="http://schemas.microsoft.com/office/drawing/2018/hyperlinkcolor" val="tx"/>
                     </a:ext>
                   </a:extLst>
                 </a:hlinkClick>
@@ -5284,10 +6138,34 @@
           </a:p>
         </p:txBody>
       </p:sp>
+      <p:sp>
+        <p:nvSpPr>
+          <p:cNvPr id="4" name="Slide Number Placeholder 3"/>
+          <p:cNvSpPr>
+            <a:spLocks noGrp="1"/>
+          </p:cNvSpPr>
+          <p:nvPr>
+            <p:ph type="sldNum" sz="quarter" idx="12"/>
+          </p:nvPr>
+        </p:nvSpPr>
+        <p:spPr/>
+        <p:txBody>
+          <a:bodyPr/>
+          <a:lstStyle/>
+          <a:p>
+            <a:fld id="{4FAB73BC-B049-4115-A692-8D63A059BFB8}" type="slidenum">
+              <a:rPr lang="en-US" smtClean="0"/>
+              <a:pPr/>
+              <a:t>19</a:t>
+            </a:fld>
+            <a:endParaRPr lang="en-US" dirty="0"/>
+          </a:p>
+        </p:txBody>
+      </p:sp>
     </p:spTree>
     <p:extLst>
       <p:ext uri="{BB962C8B-B14F-4D97-AF65-F5344CB8AC3E}">
-        <p14:creationId xmlns:p14="http://schemas.microsoft.com/office/powerpoint/2010/main" xmlns="" val="460046220"/>
+        <p14:creationId xmlns:p14="http://schemas.microsoft.com/office/powerpoint/2010/main" val="460046220"/>
       </p:ext>
     </p:extLst>
   </p:cSld>
@@ -5302,6 +6180,13 @@
       </p:stSnd>
     </p:sndAc>
   </p:transition>
+  <p:timing>
+    <p:tnLst>
+      <p:par>
+        <p:cTn id="1" dur="indefinite" restart="never" nodeType="tmRoot"/>
+      </p:par>
+    </p:tnLst>
+  </p:timing>
 </p:sld>
 </file>
 
@@ -5327,7 +6212,7 @@
           <p:cNvPr id="2" name="Title 1">
             <a:extLst>
               <a:ext uri="{FF2B5EF4-FFF2-40B4-BE49-F238E27FC236}">
-                <a16:creationId xmlns:a16="http://schemas.microsoft.com/office/drawing/2014/main" xmlns="" id="{68DDC15D-E62D-4E60-B4F2-19406C79FC9A}"/>
+                <a16:creationId xmlns:a16="http://schemas.microsoft.com/office/drawing/2014/main" id="{68DDC15D-E62D-4E60-B4F2-19406C79FC9A}"/>
               </a:ext>
             </a:extLst>
           </p:cNvPr>
@@ -5356,7 +6241,7 @@
           <p:cNvPr id="3" name="Content Placeholder 2">
             <a:extLst>
               <a:ext uri="{FF2B5EF4-FFF2-40B4-BE49-F238E27FC236}">
-                <a16:creationId xmlns:a16="http://schemas.microsoft.com/office/drawing/2014/main" xmlns="" id="{9DBA55A1-0BE5-439E-BAC3-714FCED75D2A}"/>
+                <a16:creationId xmlns:a16="http://schemas.microsoft.com/office/drawing/2014/main" id="{9DBA55A1-0BE5-439E-BAC3-714FCED75D2A}"/>
               </a:ext>
             </a:extLst>
           </p:cNvPr>
@@ -5463,10 +6348,34 @@
           </a:p>
         </p:txBody>
       </p:sp>
+      <p:sp>
+        <p:nvSpPr>
+          <p:cNvPr id="4" name="Slide Number Placeholder 3"/>
+          <p:cNvSpPr>
+            <a:spLocks noGrp="1"/>
+          </p:cNvSpPr>
+          <p:nvPr>
+            <p:ph type="sldNum" sz="quarter" idx="12"/>
+          </p:nvPr>
+        </p:nvSpPr>
+        <p:spPr/>
+        <p:txBody>
+          <a:bodyPr/>
+          <a:lstStyle/>
+          <a:p>
+            <a:fld id="{4FAB73BC-B049-4115-A692-8D63A059BFB8}" type="slidenum">
+              <a:rPr lang="en-US" smtClean="0"/>
+              <a:pPr/>
+              <a:t>2</a:t>
+            </a:fld>
+            <a:endParaRPr lang="en-US" dirty="0"/>
+          </a:p>
+        </p:txBody>
+      </p:sp>
     </p:spTree>
     <p:extLst>
       <p:ext uri="{BB962C8B-B14F-4D97-AF65-F5344CB8AC3E}">
-        <p14:creationId xmlns:p14="http://schemas.microsoft.com/office/powerpoint/2010/main" xmlns="" val="3018947133"/>
+        <p14:creationId xmlns:p14="http://schemas.microsoft.com/office/powerpoint/2010/main" val="3018947133"/>
       </p:ext>
     </p:extLst>
   </p:cSld>
@@ -5513,7 +6422,7 @@
           <p:cNvPr id="2" name="Title 1">
             <a:extLst>
               <a:ext uri="{FF2B5EF4-FFF2-40B4-BE49-F238E27FC236}">
-                <a16:creationId xmlns:a16="http://schemas.microsoft.com/office/drawing/2014/main" xmlns="" id="{B8BC584C-2F96-460D-8F0C-6AFB0C7EF3A9}"/>
+                <a16:creationId xmlns:a16="http://schemas.microsoft.com/office/drawing/2014/main" id="{B8BC584C-2F96-460D-8F0C-6AFB0C7EF3A9}"/>
               </a:ext>
             </a:extLst>
           </p:cNvPr>
@@ -5537,10 +6446,34 @@
           </a:p>
         </p:txBody>
       </p:sp>
+      <p:sp>
+        <p:nvSpPr>
+          <p:cNvPr id="3" name="Slide Number Placeholder 2"/>
+          <p:cNvSpPr>
+            <a:spLocks noGrp="1"/>
+          </p:cNvSpPr>
+          <p:nvPr>
+            <p:ph type="sldNum" sz="quarter" idx="12"/>
+          </p:nvPr>
+        </p:nvSpPr>
+        <p:spPr/>
+        <p:txBody>
+          <a:bodyPr/>
+          <a:lstStyle/>
+          <a:p>
+            <a:fld id="{4FAB73BC-B049-4115-A692-8D63A059BFB8}" type="slidenum">
+              <a:rPr lang="en-US" smtClean="0"/>
+              <a:pPr/>
+              <a:t>20</a:t>
+            </a:fld>
+            <a:endParaRPr lang="en-US" dirty="0"/>
+          </a:p>
+        </p:txBody>
+      </p:sp>
     </p:spTree>
     <p:extLst>
       <p:ext uri="{BB962C8B-B14F-4D97-AF65-F5344CB8AC3E}">
-        <p14:creationId xmlns:p14="http://schemas.microsoft.com/office/powerpoint/2010/main" xmlns="" val="2740271495"/>
+        <p14:creationId xmlns:p14="http://schemas.microsoft.com/office/powerpoint/2010/main" val="2740271495"/>
       </p:ext>
     </p:extLst>
   </p:cSld>
@@ -5555,6 +6488,13 @@
       </p:stSnd>
     </p:sndAc>
   </p:transition>
+  <p:timing>
+    <p:tnLst>
+      <p:par>
+        <p:cTn id="1" dur="indefinite" restart="never" nodeType="tmRoot"/>
+      </p:par>
+    </p:tnLst>
+  </p:timing>
 </p:sld>
 </file>
 
@@ -5580,7 +6520,7 @@
           <p:cNvPr id="2" name="Title 1">
             <a:extLst>
               <a:ext uri="{FF2B5EF4-FFF2-40B4-BE49-F238E27FC236}">
-                <a16:creationId xmlns:a16="http://schemas.microsoft.com/office/drawing/2014/main" xmlns="" id="{45DE8DF6-7702-4F45-923C-76A044ABC385}"/>
+                <a16:creationId xmlns:a16="http://schemas.microsoft.com/office/drawing/2014/main" id="{45DE8DF6-7702-4F45-923C-76A044ABC385}"/>
               </a:ext>
             </a:extLst>
           </p:cNvPr>
@@ -5609,7 +6549,7 @@
           <p:cNvPr id="3" name="Content Placeholder 2">
             <a:extLst>
               <a:ext uri="{FF2B5EF4-FFF2-40B4-BE49-F238E27FC236}">
-                <a16:creationId xmlns:a16="http://schemas.microsoft.com/office/drawing/2014/main" xmlns="" id="{2BA2BF84-F430-42A2-9655-95001B3A2034}"/>
+                <a16:creationId xmlns:a16="http://schemas.microsoft.com/office/drawing/2014/main" id="{2BA2BF84-F430-42A2-9655-95001B3A2034}"/>
               </a:ext>
             </a:extLst>
           </p:cNvPr>
@@ -5627,53 +6567,61 @@
           <a:p>
             <a:r>
               <a:rPr lang="en-US" dirty="0" smtClean="0"/>
-              <a:t>A Web application for small and medium sized clinics/polyclinics</a:t>
-            </a:r>
+              <a:t>A Web application for small and medium sized clinics/polyclinics.</a:t>
+            </a:r>
+            <a:endParaRPr lang="en-US" dirty="0"/>
+          </a:p>
+          <a:p>
+            <a:pPr lvl="0"/>
             <a:r>
               <a:rPr lang="en-US" dirty="0" smtClean="0"/>
-              <a:t>.</a:t>
-            </a:r>
-            <a:endParaRPr lang="en-US" dirty="0"/>
-          </a:p>
-          <a:p>
-            <a:pPr lvl="0"/>
+              <a:t>It provides the alternative to paper used by digitizing patient record and by </a:t>
+            </a:r>
+            <a:r>
+              <a:rPr lang="en-US" b="1" dirty="0" smtClean="0"/>
+              <a:t>presenting digital prescriptions to patients.</a:t>
+            </a:r>
+          </a:p>
+          <a:p>
             <a:r>
               <a:rPr lang="en-US" dirty="0" smtClean="0"/>
-              <a:t>It provides the alternative to paper used by </a:t>
-            </a:r>
-            <a:r>
-              <a:rPr lang="en-US" dirty="0" smtClean="0"/>
-              <a:t>digitizing patient record and by </a:t>
-            </a:r>
-            <a:r>
-              <a:rPr lang="en-US" b="1" dirty="0" smtClean="0"/>
-              <a:t>presenting digital prescriptions to </a:t>
-            </a:r>
-            <a:r>
-              <a:rPr lang="en-US" b="1" dirty="0" smtClean="0"/>
-              <a:t>patients.</a:t>
-            </a:r>
-          </a:p>
-          <a:p>
-            <a:r>
-              <a:rPr lang="en-US" dirty="0" smtClean="0"/>
-              <a:t>It will be </a:t>
-            </a:r>
-            <a:r>
-              <a:rPr lang="en-US" dirty="0" smtClean="0"/>
-              <a:t>easy for patients to maintain their individual medical histories. </a:t>
+              <a:t>It will be easy for patients to maintain their individual medical histories. </a:t>
             </a:r>
           </a:p>
           <a:p>
             <a:pPr lvl="0"/>
             <a:endParaRPr lang="en-US" dirty="0" smtClean="0"/>
+          </a:p>
+        </p:txBody>
+      </p:sp>
+      <p:sp>
+        <p:nvSpPr>
+          <p:cNvPr id="4" name="Slide Number Placeholder 3"/>
+          <p:cNvSpPr>
+            <a:spLocks noGrp="1"/>
+          </p:cNvSpPr>
+          <p:nvPr>
+            <p:ph type="sldNum" sz="quarter" idx="12"/>
+          </p:nvPr>
+        </p:nvSpPr>
+        <p:spPr/>
+        <p:txBody>
+          <a:bodyPr/>
+          <a:lstStyle/>
+          <a:p>
+            <a:fld id="{4FAB73BC-B049-4115-A692-8D63A059BFB8}" type="slidenum">
+              <a:rPr lang="en-US" smtClean="0"/>
+              <a:pPr/>
+              <a:t>3</a:t>
+            </a:fld>
+            <a:endParaRPr lang="en-US" dirty="0"/>
           </a:p>
         </p:txBody>
       </p:sp>
     </p:spTree>
     <p:extLst>
       <p:ext uri="{BB962C8B-B14F-4D97-AF65-F5344CB8AC3E}">
-        <p14:creationId xmlns:p14="http://schemas.microsoft.com/office/powerpoint/2010/main" xmlns="" val="889357797"/>
+        <p14:creationId xmlns:p14="http://schemas.microsoft.com/office/powerpoint/2010/main" val="889357797"/>
       </p:ext>
     </p:extLst>
   </p:cSld>
@@ -5720,7 +6668,7 @@
           <p:cNvPr id="2" name="Title 1">
             <a:extLst>
               <a:ext uri="{FF2B5EF4-FFF2-40B4-BE49-F238E27FC236}">
-                <a16:creationId xmlns:a16="http://schemas.microsoft.com/office/drawing/2014/main" xmlns="" id="{144B7CA9-414B-40A5-A72A-FA8B0A6F6F33}"/>
+                <a16:creationId xmlns:a16="http://schemas.microsoft.com/office/drawing/2014/main" id="{144B7CA9-414B-40A5-A72A-FA8B0A6F6F33}"/>
               </a:ext>
             </a:extLst>
           </p:cNvPr>
@@ -5749,7 +6697,7 @@
           <p:cNvPr id="3" name="Content Placeholder 2">
             <a:extLst>
               <a:ext uri="{FF2B5EF4-FFF2-40B4-BE49-F238E27FC236}">
-                <a16:creationId xmlns:a16="http://schemas.microsoft.com/office/drawing/2014/main" xmlns="" id="{D2B41C62-3888-4B88-9D86-7CBCFAFAA10A}"/>
+                <a16:creationId xmlns:a16="http://schemas.microsoft.com/office/drawing/2014/main" id="{D2B41C62-3888-4B88-9D86-7CBCFAFAA10A}"/>
               </a:ext>
             </a:extLst>
           </p:cNvPr>
@@ -5796,10 +6744,34 @@
           </a:p>
         </p:txBody>
       </p:sp>
+      <p:sp>
+        <p:nvSpPr>
+          <p:cNvPr id="4" name="Slide Number Placeholder 3"/>
+          <p:cNvSpPr>
+            <a:spLocks noGrp="1"/>
+          </p:cNvSpPr>
+          <p:nvPr>
+            <p:ph type="sldNum" sz="quarter" idx="12"/>
+          </p:nvPr>
+        </p:nvSpPr>
+        <p:spPr/>
+        <p:txBody>
+          <a:bodyPr/>
+          <a:lstStyle/>
+          <a:p>
+            <a:fld id="{4FAB73BC-B049-4115-A692-8D63A059BFB8}" type="slidenum">
+              <a:rPr lang="en-US" smtClean="0"/>
+              <a:pPr/>
+              <a:t>4</a:t>
+            </a:fld>
+            <a:endParaRPr lang="en-US" dirty="0"/>
+          </a:p>
+        </p:txBody>
+      </p:sp>
     </p:spTree>
     <p:extLst>
       <p:ext uri="{BB962C8B-B14F-4D97-AF65-F5344CB8AC3E}">
-        <p14:creationId xmlns:p14="http://schemas.microsoft.com/office/powerpoint/2010/main" xmlns="" val="1735352625"/>
+        <p14:creationId xmlns:p14="http://schemas.microsoft.com/office/powerpoint/2010/main" val="1735352625"/>
       </p:ext>
     </p:extLst>
   </p:cSld>
@@ -5846,7 +6818,7 @@
           <p:cNvPr id="2" name="Title 1">
             <a:extLst>
               <a:ext uri="{FF2B5EF4-FFF2-40B4-BE49-F238E27FC236}">
-                <a16:creationId xmlns:a16="http://schemas.microsoft.com/office/drawing/2014/main" xmlns="" id="{4E4A4B5C-5411-460F-8B38-C461E3F3E36D}"/>
+                <a16:creationId xmlns:a16="http://schemas.microsoft.com/office/drawing/2014/main" id="{4E4A4B5C-5411-460F-8B38-C461E3F3E36D}"/>
               </a:ext>
             </a:extLst>
           </p:cNvPr>
@@ -5875,7 +6847,7 @@
           <p:cNvPr id="3" name="Content Placeholder 2">
             <a:extLst>
               <a:ext uri="{FF2B5EF4-FFF2-40B4-BE49-F238E27FC236}">
-                <a16:creationId xmlns:a16="http://schemas.microsoft.com/office/drawing/2014/main" xmlns="" id="{1E01CBFD-5726-4A5B-B15F-A737819CDED5}"/>
+                <a16:creationId xmlns:a16="http://schemas.microsoft.com/office/drawing/2014/main" id="{1E01CBFD-5726-4A5B-B15F-A737819CDED5}"/>
               </a:ext>
             </a:extLst>
           </p:cNvPr>
@@ -5958,10 +6930,34 @@
           </a:p>
         </p:txBody>
       </p:sp>
+      <p:sp>
+        <p:nvSpPr>
+          <p:cNvPr id="4" name="Slide Number Placeholder 3"/>
+          <p:cNvSpPr>
+            <a:spLocks noGrp="1"/>
+          </p:cNvSpPr>
+          <p:nvPr>
+            <p:ph type="sldNum" sz="quarter" idx="12"/>
+          </p:nvPr>
+        </p:nvSpPr>
+        <p:spPr/>
+        <p:txBody>
+          <a:bodyPr/>
+          <a:lstStyle/>
+          <a:p>
+            <a:fld id="{4FAB73BC-B049-4115-A692-8D63A059BFB8}" type="slidenum">
+              <a:rPr lang="en-US" smtClean="0"/>
+              <a:pPr/>
+              <a:t>5</a:t>
+            </a:fld>
+            <a:endParaRPr lang="en-US" dirty="0"/>
+          </a:p>
+        </p:txBody>
+      </p:sp>
     </p:spTree>
     <p:extLst>
       <p:ext uri="{BB962C8B-B14F-4D97-AF65-F5344CB8AC3E}">
-        <p14:creationId xmlns:p14="http://schemas.microsoft.com/office/powerpoint/2010/main" xmlns="" val="1689906289"/>
+        <p14:creationId xmlns:p14="http://schemas.microsoft.com/office/powerpoint/2010/main" val="1689906289"/>
       </p:ext>
     </p:extLst>
   </p:cSld>
@@ -5976,6 +6972,13 @@
       </p:stSnd>
     </p:sndAc>
   </p:transition>
+  <p:timing>
+    <p:tnLst>
+      <p:par>
+        <p:cTn id="1" dur="indefinite" restart="never" nodeType="tmRoot"/>
+      </p:par>
+    </p:tnLst>
+  </p:timing>
 </p:sld>
 </file>
 
@@ -6001,7 +7004,7 @@
           <p:cNvPr id="2" name="Title 1">
             <a:extLst>
               <a:ext uri="{FF2B5EF4-FFF2-40B4-BE49-F238E27FC236}">
-                <a16:creationId xmlns:a16="http://schemas.microsoft.com/office/drawing/2014/main" xmlns="" id="{B0595E07-CE89-4D49-BF46-BC942575F6E3}"/>
+                <a16:creationId xmlns:a16="http://schemas.microsoft.com/office/drawing/2014/main" id="{B0595E07-CE89-4D49-BF46-BC942575F6E3}"/>
               </a:ext>
             </a:extLst>
           </p:cNvPr>
@@ -6030,7 +7033,7 @@
           <p:cNvPr id="3" name="Content Placeholder 2">
             <a:extLst>
               <a:ext uri="{FF2B5EF4-FFF2-40B4-BE49-F238E27FC236}">
-                <a16:creationId xmlns:a16="http://schemas.microsoft.com/office/drawing/2014/main" xmlns="" id="{BF78C1FC-A480-4141-AA6E-0847B11E741B}"/>
+                <a16:creationId xmlns:a16="http://schemas.microsoft.com/office/drawing/2014/main" id="{BF78C1FC-A480-4141-AA6E-0847B11E741B}"/>
               </a:ext>
             </a:extLst>
           </p:cNvPr>
@@ -6093,10 +7096,34 @@
           </a:p>
         </p:txBody>
       </p:sp>
+      <p:sp>
+        <p:nvSpPr>
+          <p:cNvPr id="4" name="Slide Number Placeholder 3"/>
+          <p:cNvSpPr>
+            <a:spLocks noGrp="1"/>
+          </p:cNvSpPr>
+          <p:nvPr>
+            <p:ph type="sldNum" sz="quarter" idx="12"/>
+          </p:nvPr>
+        </p:nvSpPr>
+        <p:spPr/>
+        <p:txBody>
+          <a:bodyPr/>
+          <a:lstStyle/>
+          <a:p>
+            <a:fld id="{4FAB73BC-B049-4115-A692-8D63A059BFB8}" type="slidenum">
+              <a:rPr lang="en-US" smtClean="0"/>
+              <a:pPr/>
+              <a:t>6</a:t>
+            </a:fld>
+            <a:endParaRPr lang="en-US" dirty="0"/>
+          </a:p>
+        </p:txBody>
+      </p:sp>
     </p:spTree>
     <p:extLst>
       <p:ext uri="{BB962C8B-B14F-4D97-AF65-F5344CB8AC3E}">
-        <p14:creationId xmlns:p14="http://schemas.microsoft.com/office/powerpoint/2010/main" xmlns="" val="3826499070"/>
+        <p14:creationId xmlns:p14="http://schemas.microsoft.com/office/powerpoint/2010/main" val="3826499070"/>
       </p:ext>
     </p:extLst>
   </p:cSld>
@@ -6111,6 +7138,13 @@
       </p:stSnd>
     </p:sndAc>
   </p:transition>
+  <p:timing>
+    <p:tnLst>
+      <p:par>
+        <p:cTn id="1" dur="indefinite" restart="never" nodeType="tmRoot"/>
+      </p:par>
+    </p:tnLst>
+  </p:timing>
 </p:sld>
 </file>
 
@@ -6136,7 +7170,7 @@
           <p:cNvPr id="2" name="Title 1">
             <a:extLst>
               <a:ext uri="{FF2B5EF4-FFF2-40B4-BE49-F238E27FC236}">
-                <a16:creationId xmlns:a16="http://schemas.microsoft.com/office/drawing/2014/main" xmlns="" id="{90CCF15B-1254-4DCE-88CF-8C9F10EDC43E}"/>
+                <a16:creationId xmlns:a16="http://schemas.microsoft.com/office/drawing/2014/main" id="{90CCF15B-1254-4DCE-88CF-8C9F10EDC43E}"/>
               </a:ext>
             </a:extLst>
           </p:cNvPr>
@@ -6165,7 +7199,7 @@
           <p:cNvPr id="3" name="Content Placeholder 2">
             <a:extLst>
               <a:ext uri="{FF2B5EF4-FFF2-40B4-BE49-F238E27FC236}">
-                <a16:creationId xmlns:a16="http://schemas.microsoft.com/office/drawing/2014/main" xmlns="" id="{5AB6AA72-8253-4365-B39D-9186BF9C0749}"/>
+                <a16:creationId xmlns:a16="http://schemas.microsoft.com/office/drawing/2014/main" id="{5AB6AA72-8253-4365-B39D-9186BF9C0749}"/>
               </a:ext>
             </a:extLst>
           </p:cNvPr>
@@ -6179,7 +7213,7 @@
         <p:spPr/>
         <p:txBody>
           <a:bodyPr>
-            <a:normAutofit/>
+            <a:normAutofit fontScale="92500"/>
           </a:bodyPr>
           <a:lstStyle/>
           <a:p>
@@ -6210,15 +7244,7 @@
             </a:r>
             <a:r>
               <a:rPr lang="en-US" dirty="0" smtClean="0"/>
-              <a:t>Home </a:t>
-            </a:r>
-            <a:r>
-              <a:rPr lang="en-US" dirty="0" smtClean="0"/>
-              <a:t>                                        Patient </a:t>
-            </a:r>
-            <a:r>
-              <a:rPr lang="en-US" dirty="0" smtClean="0"/>
-              <a:t>History</a:t>
+              <a:t>Home                                         Patient History</a:t>
             </a:r>
             <a:endParaRPr lang="en-US" dirty="0"/>
           </a:p>
@@ -6292,13 +7318,37 @@
               <a:t>Log Out</a:t>
             </a:r>
             <a:endParaRPr lang="en-IN" dirty="0"/>
+          </a:p>
+        </p:txBody>
+      </p:sp>
+      <p:sp>
+        <p:nvSpPr>
+          <p:cNvPr id="4" name="Slide Number Placeholder 3"/>
+          <p:cNvSpPr>
+            <a:spLocks noGrp="1"/>
+          </p:cNvSpPr>
+          <p:nvPr>
+            <p:ph type="sldNum" sz="quarter" idx="12"/>
+          </p:nvPr>
+        </p:nvSpPr>
+        <p:spPr/>
+        <p:txBody>
+          <a:bodyPr/>
+          <a:lstStyle/>
+          <a:p>
+            <a:fld id="{4FAB73BC-B049-4115-A692-8D63A059BFB8}" type="slidenum">
+              <a:rPr lang="en-US" smtClean="0"/>
+              <a:pPr/>
+              <a:t>7</a:t>
+            </a:fld>
+            <a:endParaRPr lang="en-US" dirty="0"/>
           </a:p>
         </p:txBody>
       </p:sp>
     </p:spTree>
     <p:extLst>
       <p:ext uri="{BB962C8B-B14F-4D97-AF65-F5344CB8AC3E}">
-        <p14:creationId xmlns:p14="http://schemas.microsoft.com/office/powerpoint/2010/main" xmlns="" val="514364870"/>
+        <p14:creationId xmlns:p14="http://schemas.microsoft.com/office/powerpoint/2010/main" val="514364870"/>
       </p:ext>
     </p:extLst>
   </p:cSld>
@@ -6313,6 +7363,13 @@
       </p:stSnd>
     </p:sndAc>
   </p:transition>
+  <p:timing>
+    <p:tnLst>
+      <p:par>
+        <p:cTn id="1" dur="indefinite" restart="never" nodeType="tmRoot"/>
+      </p:par>
+    </p:tnLst>
+  </p:timing>
 </p:sld>
 </file>
 
@@ -6338,7 +7395,7 @@
           <p:cNvPr id="2" name="Title 1">
             <a:extLst>
               <a:ext uri="{FF2B5EF4-FFF2-40B4-BE49-F238E27FC236}">
-                <a16:creationId xmlns:a16="http://schemas.microsoft.com/office/drawing/2014/main" xmlns="" id="{1D46B440-F37E-4986-A21F-F58725B2F186}"/>
+                <a16:creationId xmlns:a16="http://schemas.microsoft.com/office/drawing/2014/main" id="{1D46B440-F37E-4986-A21F-F58725B2F186}"/>
               </a:ext>
             </a:extLst>
           </p:cNvPr>
@@ -6349,7 +7406,12 @@
             <p:ph type="title"/>
           </p:nvPr>
         </p:nvSpPr>
-        <p:spPr/>
+        <p:spPr>
+          <a:xfrm>
+            <a:off x="1130270" y="953324"/>
+            <a:ext cx="9603275" cy="726007"/>
+          </a:xfrm>
+        </p:spPr>
         <p:txBody>
           <a:bodyPr>
             <a:normAutofit fontScale="90000"/>
@@ -6360,9 +7422,6 @@
               <a:rPr lang="en-US" dirty="0" smtClean="0"/>
               <a:t>Screenshots</a:t>
             </a:r>
-            <a:br>
-              <a:rPr lang="en-US" dirty="0" smtClean="0"/>
-            </a:br>
             <a:r>
               <a:rPr lang="en-US" dirty="0" smtClean="0"/>
               <a:t/>
@@ -6397,8 +7456,8 @@
         </p:blipFill>
         <p:spPr bwMode="auto">
           <a:xfrm>
-            <a:off x="1541045" y="1901825"/>
-            <a:ext cx="8605085" cy="4165600"/>
+            <a:off x="1213338" y="1679331"/>
+            <a:ext cx="8919402" cy="4317756"/>
           </a:xfrm>
           <a:prstGeom prst="rect">
             <a:avLst/>
@@ -6413,10 +7472,34 @@
           <a:effectLst/>
         </p:spPr>
       </p:pic>
+      <p:sp>
+        <p:nvSpPr>
+          <p:cNvPr id="3" name="Slide Number Placeholder 2"/>
+          <p:cNvSpPr>
+            <a:spLocks noGrp="1"/>
+          </p:cNvSpPr>
+          <p:nvPr>
+            <p:ph type="sldNum" sz="quarter" idx="12"/>
+          </p:nvPr>
+        </p:nvSpPr>
+        <p:spPr/>
+        <p:txBody>
+          <a:bodyPr/>
+          <a:lstStyle/>
+          <a:p>
+            <a:fld id="{4FAB73BC-B049-4115-A692-8D63A059BFB8}" type="slidenum">
+              <a:rPr lang="en-US" smtClean="0"/>
+              <a:pPr/>
+              <a:t>8</a:t>
+            </a:fld>
+            <a:endParaRPr lang="en-US" dirty="0"/>
+          </a:p>
+        </p:txBody>
+      </p:sp>
     </p:spTree>
     <p:extLst>
       <p:ext uri="{BB962C8B-B14F-4D97-AF65-F5344CB8AC3E}">
-        <p14:creationId xmlns:p14="http://schemas.microsoft.com/office/powerpoint/2010/main" xmlns="" val="2608220635"/>
+        <p14:creationId xmlns:p14="http://schemas.microsoft.com/office/powerpoint/2010/main" val="2608220635"/>
       </p:ext>
     </p:extLst>
   </p:cSld>
@@ -6431,6 +7514,13 @@
       </p:stSnd>
     </p:sndAc>
   </p:transition>
+  <p:timing>
+    <p:tnLst>
+      <p:par>
+        <p:cTn id="1" dur="indefinite" restart="never" nodeType="tmRoot"/>
+      </p:par>
+    </p:tnLst>
+  </p:timing>
 </p:sld>
 </file>
 
@@ -6456,7 +7546,7 @@
           <p:cNvPr id="2" name="Title 1">
             <a:extLst>
               <a:ext uri="{FF2B5EF4-FFF2-40B4-BE49-F238E27FC236}">
-                <a16:creationId xmlns:a16="http://schemas.microsoft.com/office/drawing/2014/main" xmlns="" id="{AA7BF683-70A2-4AA1-BF4F-AC674B6277F0}"/>
+                <a16:creationId xmlns:a16="http://schemas.microsoft.com/office/drawing/2014/main" id="{AA7BF683-70A2-4AA1-BF4F-AC674B6277F0}"/>
               </a:ext>
             </a:extLst>
           </p:cNvPr>
@@ -6499,7 +7589,7 @@
         </p:blipFill>
         <p:spPr bwMode="auto">
           <a:xfrm>
-            <a:off x="1814512" y="2362200"/>
+            <a:off x="1665043" y="1808284"/>
             <a:ext cx="7886701" cy="3067050"/>
           </a:xfrm>
           <a:prstGeom prst="rect">
@@ -6515,10 +7605,34 @@
           <a:effectLst/>
         </p:spPr>
       </p:pic>
+      <p:sp>
+        <p:nvSpPr>
+          <p:cNvPr id="3" name="Slide Number Placeholder 2"/>
+          <p:cNvSpPr>
+            <a:spLocks noGrp="1"/>
+          </p:cNvSpPr>
+          <p:nvPr>
+            <p:ph type="sldNum" sz="quarter" idx="12"/>
+          </p:nvPr>
+        </p:nvSpPr>
+        <p:spPr/>
+        <p:txBody>
+          <a:bodyPr/>
+          <a:lstStyle/>
+          <a:p>
+            <a:fld id="{4FAB73BC-B049-4115-A692-8D63A059BFB8}" type="slidenum">
+              <a:rPr lang="en-US" smtClean="0"/>
+              <a:pPr/>
+              <a:t>9</a:t>
+            </a:fld>
+            <a:endParaRPr lang="en-US" dirty="0"/>
+          </a:p>
+        </p:txBody>
+      </p:sp>
     </p:spTree>
     <p:extLst>
       <p:ext uri="{BB962C8B-B14F-4D97-AF65-F5344CB8AC3E}">
-        <p14:creationId xmlns:p14="http://schemas.microsoft.com/office/powerpoint/2010/main" xmlns="" val="3137324397"/>
+        <p14:creationId xmlns:p14="http://schemas.microsoft.com/office/powerpoint/2010/main" val="3137324397"/>
       </p:ext>
     </p:extLst>
   </p:cSld>
@@ -6533,6 +7647,13 @@
       </p:stSnd>
     </p:sndAc>
   </p:transition>
+  <p:timing>
+    <p:tnLst>
+      <p:par>
+        <p:cTn id="1" dur="indefinite" restart="never" nodeType="tmRoot"/>
+      </p:par>
+    </p:tnLst>
+  </p:timing>
 </p:sld>
 </file>
 
@@ -6550,36 +7671,36 @@
         <a:srgbClr val="454545"/>
       </a:dk2>
       <a:lt2>
-        <a:srgbClr val="DFDBD5"/>
+        <a:srgbClr val="DCDCE0"/>
       </a:lt2>
       <a:accent1>
-        <a:srgbClr val="B71E42"/>
+        <a:srgbClr val="415588"/>
       </a:accent1>
       <a:accent2>
-        <a:srgbClr val="DE478E"/>
+        <a:srgbClr val="4294B6"/>
       </a:accent2>
       <a:accent3>
-        <a:srgbClr val="BC72F0"/>
+        <a:srgbClr val="087D7C"/>
       </a:accent3>
       <a:accent4>
-        <a:srgbClr val="795FAF"/>
+        <a:srgbClr val="2CB663"/>
       </a:accent4>
       <a:accent5>
-        <a:srgbClr val="586EA6"/>
+        <a:srgbClr val="DF8822"/>
       </a:accent5>
       <a:accent6>
-        <a:srgbClr val="6892A0"/>
+        <a:srgbClr val="BC410A"/>
       </a:accent6>
       <a:hlink>
-        <a:srgbClr val="FA2B5C"/>
+        <a:srgbClr val="5977C4"/>
       </a:hlink>
       <a:folHlink>
-        <a:srgbClr val="BC658E"/>
+        <a:srgbClr val="A1A9BF"/>
       </a:folHlink>
     </a:clrScheme>
     <a:fontScheme name="Gallery">
       <a:majorFont>
-        <a:latin typeface="Gill Sans MT"/>
+        <a:latin typeface="Century Gothic" panose="020B0502020202020204"/>
         <a:ea typeface=""/>
         <a:cs typeface=""/>
         <a:font script="Jpan" typeface="游ゴシック Light"/>
@@ -6614,7 +7735,7 @@
         <a:font script="Geor" typeface="Sylfaen"/>
       </a:majorFont>
       <a:minorFont>
-        <a:latin typeface="Gill Sans MT"/>
+        <a:latin typeface="Century Gothic" panose="020B0502020202020204"/>
         <a:ea typeface=""/>
         <a:cs typeface=""/>
         <a:font script="Jpan" typeface="游ゴシック"/>
@@ -6769,11 +7890,12 @@
             <a:gs pos="100000">
               <a:schemeClr val="phClr">
                 <a:shade val="80000"/>
+                <a:lumMod val="108000"/>
               </a:schemeClr>
             </a:gs>
           </a:gsLst>
           <a:path path="circle">
-            <a:fillToRect l="43000" r="43000" b="100000"/>
+            <a:fillToRect l="50000" t="50000" r="50000" b="50000"/>
           </a:path>
         </a:gradFill>
       </a:bgFillStyleLst>
@@ -6783,7 +7905,268 @@
   <a:extraClrSchemeLst/>
   <a:extLst>
     <a:ext uri="{05A4C25C-085E-4340-85A3-A5531E510DB2}">
-      <thm15:themeFamily xmlns:thm15="http://schemas.microsoft.com/office/thememl/2012/main" xmlns="" name="Gallery" id="{BBFCD31E-59A1-489D-B089-A3EAD7CAE12E}" vid="{F5E91637-A7B6-4E27-B710-77DA7014EE1E}"/>
+      <thm15:themeFamily xmlns:thm15="http://schemas.microsoft.com/office/thememl/2012/main" name="Gallery" id="{BBFCD31E-59A1-489D-B089-A3EAD7CAE12E}" vid="{E050AC27-895F-4B90-991D-A6818FC89AB6}"/>
+    </a:ext>
+  </a:extLst>
+</a:theme>
+</file>
+
+<file path=ppt/theme/theme2.xml><?xml version="1.0" encoding="utf-8"?>
+<a:theme xmlns:a="http://schemas.openxmlformats.org/drawingml/2006/main" name="Office Theme">
+  <a:themeElements>
+    <a:clrScheme name="Office">
+      <a:dk1>
+        <a:sysClr val="windowText" lastClr="000000"/>
+      </a:dk1>
+      <a:lt1>
+        <a:sysClr val="window" lastClr="FFFFFF"/>
+      </a:lt1>
+      <a:dk2>
+        <a:srgbClr val="44546A"/>
+      </a:dk2>
+      <a:lt2>
+        <a:srgbClr val="E7E6E6"/>
+      </a:lt2>
+      <a:accent1>
+        <a:srgbClr val="5B9BD5"/>
+      </a:accent1>
+      <a:accent2>
+        <a:srgbClr val="ED7D31"/>
+      </a:accent2>
+      <a:accent3>
+        <a:srgbClr val="A5A5A5"/>
+      </a:accent3>
+      <a:accent4>
+        <a:srgbClr val="FFC000"/>
+      </a:accent4>
+      <a:accent5>
+        <a:srgbClr val="4472C4"/>
+      </a:accent5>
+      <a:accent6>
+        <a:srgbClr val="70AD47"/>
+      </a:accent6>
+      <a:hlink>
+        <a:srgbClr val="0563C1"/>
+      </a:hlink>
+      <a:folHlink>
+        <a:srgbClr val="954F72"/>
+      </a:folHlink>
+    </a:clrScheme>
+    <a:fontScheme name="Office">
+      <a:majorFont>
+        <a:latin typeface="Calibri Light" panose="020F0302020204030204"/>
+        <a:ea typeface=""/>
+        <a:cs typeface=""/>
+        <a:font script="Jpan" typeface="游ゴシック Light"/>
+        <a:font script="Hang" typeface="맑은 고딕"/>
+        <a:font script="Hans" typeface="等线 Light"/>
+        <a:font script="Hant" typeface="新細明體"/>
+        <a:font script="Arab" typeface="Times New Roman"/>
+        <a:font script="Hebr" typeface="Times New Roman"/>
+        <a:font script="Thai" typeface="Angsana New"/>
+        <a:font script="Ethi" typeface="Nyala"/>
+        <a:font script="Beng" typeface="Vrinda"/>
+        <a:font script="Gujr" typeface="Shruti"/>
+        <a:font script="Khmr" typeface="MoolBoran"/>
+        <a:font script="Knda" typeface="Tunga"/>
+        <a:font script="Guru" typeface="Raavi"/>
+        <a:font script="Cans" typeface="Euphemia"/>
+        <a:font script="Cher" typeface="Plantagenet Cherokee"/>
+        <a:font script="Yiii" typeface="Microsoft Yi Baiti"/>
+        <a:font script="Tibt" typeface="Microsoft Himalaya"/>
+        <a:font script="Thaa" typeface="MV Boli"/>
+        <a:font script="Deva" typeface="Mangal"/>
+        <a:font script="Telu" typeface="Gautami"/>
+        <a:font script="Taml" typeface="Latha"/>
+        <a:font script="Syrc" typeface="Estrangelo Edessa"/>
+        <a:font script="Orya" typeface="Kalinga"/>
+        <a:font script="Mlym" typeface="Kartika"/>
+        <a:font script="Laoo" typeface="DokChampa"/>
+        <a:font script="Sinh" typeface="Iskoola Pota"/>
+        <a:font script="Mong" typeface="Mongolian Baiti"/>
+        <a:font script="Viet" typeface="Times New Roman"/>
+        <a:font script="Uigh" typeface="Microsoft Uighur"/>
+        <a:font script="Geor" typeface="Sylfaen"/>
+      </a:majorFont>
+      <a:minorFont>
+        <a:latin typeface="Calibri" panose="020F0502020204030204"/>
+        <a:ea typeface=""/>
+        <a:cs typeface=""/>
+        <a:font script="Jpan" typeface="游ゴシック"/>
+        <a:font script="Hang" typeface="맑은 고딕"/>
+        <a:font script="Hans" typeface="等线"/>
+        <a:font script="Hant" typeface="新細明體"/>
+        <a:font script="Arab" typeface="Arial"/>
+        <a:font script="Hebr" typeface="Arial"/>
+        <a:font script="Thai" typeface="Cordia New"/>
+        <a:font script="Ethi" typeface="Nyala"/>
+        <a:font script="Beng" typeface="Vrinda"/>
+        <a:font script="Gujr" typeface="Shruti"/>
+        <a:font script="Khmr" typeface="DaunPenh"/>
+        <a:font script="Knda" typeface="Tunga"/>
+        <a:font script="Guru" typeface="Raavi"/>
+        <a:font script="Cans" typeface="Euphemia"/>
+        <a:font script="Cher" typeface="Plantagenet Cherokee"/>
+        <a:font script="Yiii" typeface="Microsoft Yi Baiti"/>
+        <a:font script="Tibt" typeface="Microsoft Himalaya"/>
+        <a:font script="Thaa" typeface="MV Boli"/>
+        <a:font script="Deva" typeface="Mangal"/>
+        <a:font script="Telu" typeface="Gautami"/>
+        <a:font script="Taml" typeface="Latha"/>
+        <a:font script="Syrc" typeface="Estrangelo Edessa"/>
+        <a:font script="Orya" typeface="Kalinga"/>
+        <a:font script="Mlym" typeface="Kartika"/>
+        <a:font script="Laoo" typeface="DokChampa"/>
+        <a:font script="Sinh" typeface="Iskoola Pota"/>
+        <a:font script="Mong" typeface="Mongolian Baiti"/>
+        <a:font script="Viet" typeface="Arial"/>
+        <a:font script="Uigh" typeface="Microsoft Uighur"/>
+        <a:font script="Geor" typeface="Sylfaen"/>
+      </a:minorFont>
+    </a:fontScheme>
+    <a:fmtScheme name="Office">
+      <a:fillStyleLst>
+        <a:solidFill>
+          <a:schemeClr val="phClr"/>
+        </a:solidFill>
+        <a:gradFill rotWithShape="1">
+          <a:gsLst>
+            <a:gs pos="0">
+              <a:schemeClr val="phClr">
+                <a:lumMod val="110000"/>
+                <a:satMod val="105000"/>
+                <a:tint val="67000"/>
+              </a:schemeClr>
+            </a:gs>
+            <a:gs pos="50000">
+              <a:schemeClr val="phClr">
+                <a:lumMod val="105000"/>
+                <a:satMod val="103000"/>
+                <a:tint val="73000"/>
+              </a:schemeClr>
+            </a:gs>
+            <a:gs pos="100000">
+              <a:schemeClr val="phClr">
+                <a:lumMod val="105000"/>
+                <a:satMod val="109000"/>
+                <a:tint val="81000"/>
+              </a:schemeClr>
+            </a:gs>
+          </a:gsLst>
+          <a:lin ang="5400000" scaled="0"/>
+        </a:gradFill>
+        <a:gradFill rotWithShape="1">
+          <a:gsLst>
+            <a:gs pos="0">
+              <a:schemeClr val="phClr">
+                <a:satMod val="103000"/>
+                <a:lumMod val="102000"/>
+                <a:tint val="94000"/>
+              </a:schemeClr>
+            </a:gs>
+            <a:gs pos="50000">
+              <a:schemeClr val="phClr">
+                <a:satMod val="110000"/>
+                <a:lumMod val="100000"/>
+                <a:shade val="100000"/>
+              </a:schemeClr>
+            </a:gs>
+            <a:gs pos="100000">
+              <a:schemeClr val="phClr">
+                <a:lumMod val="99000"/>
+                <a:satMod val="120000"/>
+                <a:shade val="78000"/>
+              </a:schemeClr>
+            </a:gs>
+          </a:gsLst>
+          <a:lin ang="5400000" scaled="0"/>
+        </a:gradFill>
+      </a:fillStyleLst>
+      <a:lnStyleLst>
+        <a:ln w="6350" cap="flat" cmpd="sng" algn="ctr">
+          <a:solidFill>
+            <a:schemeClr val="phClr"/>
+          </a:solidFill>
+          <a:prstDash val="solid"/>
+          <a:miter lim="800000"/>
+        </a:ln>
+        <a:ln w="12700" cap="flat" cmpd="sng" algn="ctr">
+          <a:solidFill>
+            <a:schemeClr val="phClr"/>
+          </a:solidFill>
+          <a:prstDash val="solid"/>
+          <a:miter lim="800000"/>
+        </a:ln>
+        <a:ln w="19050" cap="flat" cmpd="sng" algn="ctr">
+          <a:solidFill>
+            <a:schemeClr val="phClr"/>
+          </a:solidFill>
+          <a:prstDash val="solid"/>
+          <a:miter lim="800000"/>
+        </a:ln>
+      </a:lnStyleLst>
+      <a:effectStyleLst>
+        <a:effectStyle>
+          <a:effectLst/>
+        </a:effectStyle>
+        <a:effectStyle>
+          <a:effectLst/>
+        </a:effectStyle>
+        <a:effectStyle>
+          <a:effectLst>
+            <a:outerShdw blurRad="57150" dist="19050" dir="5400000" algn="ctr" rotWithShape="0">
+              <a:srgbClr val="000000">
+                <a:alpha val="63000"/>
+              </a:srgbClr>
+            </a:outerShdw>
+          </a:effectLst>
+        </a:effectStyle>
+      </a:effectStyleLst>
+      <a:bgFillStyleLst>
+        <a:solidFill>
+          <a:schemeClr val="phClr"/>
+        </a:solidFill>
+        <a:solidFill>
+          <a:schemeClr val="phClr">
+            <a:tint val="95000"/>
+            <a:satMod val="170000"/>
+          </a:schemeClr>
+        </a:solidFill>
+        <a:gradFill rotWithShape="1">
+          <a:gsLst>
+            <a:gs pos="0">
+              <a:schemeClr val="phClr">
+                <a:tint val="93000"/>
+                <a:satMod val="150000"/>
+                <a:shade val="98000"/>
+                <a:lumMod val="102000"/>
+              </a:schemeClr>
+            </a:gs>
+            <a:gs pos="50000">
+              <a:schemeClr val="phClr">
+                <a:tint val="98000"/>
+                <a:satMod val="130000"/>
+                <a:shade val="90000"/>
+                <a:lumMod val="103000"/>
+              </a:schemeClr>
+            </a:gs>
+            <a:gs pos="100000">
+              <a:schemeClr val="phClr">
+                <a:shade val="63000"/>
+                <a:satMod val="120000"/>
+              </a:schemeClr>
+            </a:gs>
+          </a:gsLst>
+          <a:lin ang="5400000" scaled="0"/>
+        </a:gradFill>
+      </a:bgFillStyleLst>
+    </a:fmtScheme>
+  </a:themeElements>
+  <a:objectDefaults/>
+  <a:extraClrSchemeLst/>
+  <a:extLst>
+    <a:ext uri="{05A4C25C-085E-4340-85A3-A5531E510DB2}">
+      <thm15:themeFamily xmlns:thm15="http://schemas.microsoft.com/office/thememl/2012/main" name="Office Theme" id="{62F939B6-93AF-4DB8-9C6B-D6C7DFDC589F}" vid="{4A3C46E8-61CC-4603-A589-7422A47A8E4A}"/>
     </a:ext>
   </a:extLst>
 </a:theme>
